--- a/C++ шпаргалка.pptx
+++ b/C++ шпаргалка.pptx
@@ -4,18 +4,23 @@
   <p:sldMasterIdLst>
     <p:sldMasterId id="2147483648" r:id="rId1"/>
   </p:sldMasterIdLst>
+  <p:notesMasterIdLst>
+    <p:notesMasterId r:id="rId15"/>
+  </p:notesMasterIdLst>
   <p:sldIdLst>
     <p:sldId id="256" r:id="rId2"/>
-    <p:sldId id="257" r:id="rId3"/>
-    <p:sldId id="258" r:id="rId4"/>
-    <p:sldId id="261" r:id="rId5"/>
-    <p:sldId id="262" r:id="rId6"/>
-    <p:sldId id="260" r:id="rId7"/>
-    <p:sldId id="259" r:id="rId8"/>
-    <p:sldId id="263" r:id="rId9"/>
-    <p:sldId id="265" r:id="rId10"/>
-    <p:sldId id="264" r:id="rId11"/>
-    <p:sldId id="266" r:id="rId12"/>
+    <p:sldId id="267" r:id="rId3"/>
+    <p:sldId id="268" r:id="rId4"/>
+    <p:sldId id="257" r:id="rId5"/>
+    <p:sldId id="258" r:id="rId6"/>
+    <p:sldId id="261" r:id="rId7"/>
+    <p:sldId id="262" r:id="rId8"/>
+    <p:sldId id="260" r:id="rId9"/>
+    <p:sldId id="259" r:id="rId10"/>
+    <p:sldId id="263" r:id="rId11"/>
+    <p:sldId id="265" r:id="rId12"/>
+    <p:sldId id="264" r:id="rId13"/>
+    <p:sldId id="266" r:id="rId14"/>
   </p:sldIdLst>
   <p:sldSz cx="9144000" cy="6858000" type="screen4x3"/>
   <p:notesSz cx="6858000" cy="9144000"/>
@@ -117,6 +122,1406 @@
 </p:presentation>
 </file>
 
+<file path=ppt/notesMasters/notesMaster1.xml><?xml version="1.0" encoding="utf-8"?>
+<p:notesMaster xmlns:a="http://schemas.openxmlformats.org/drawingml/2006/main" xmlns:r="http://schemas.openxmlformats.org/officeDocument/2006/relationships" xmlns:p="http://schemas.openxmlformats.org/presentationml/2006/main">
+  <p:cSld>
+    <p:bg>
+      <p:bgRef idx="1001">
+        <a:schemeClr val="bg1"/>
+      </p:bgRef>
+    </p:bg>
+    <p:spTree>
+      <p:nvGrpSpPr>
+        <p:cNvPr id="1" name=""/>
+        <p:cNvGrpSpPr/>
+        <p:nvPr/>
+      </p:nvGrpSpPr>
+      <p:grpSpPr>
+        <a:xfrm>
+          <a:off x="0" y="0"/>
+          <a:ext cx="0" cy="0"/>
+          <a:chOff x="0" y="0"/>
+          <a:chExt cx="0" cy="0"/>
+        </a:xfrm>
+      </p:grpSpPr>
+      <p:sp>
+        <p:nvSpPr>
+          <p:cNvPr id="2" name="Верхний колонтитул 1"/>
+          <p:cNvSpPr>
+            <a:spLocks noGrp="1"/>
+          </p:cNvSpPr>
+          <p:nvPr>
+            <p:ph type="hdr" sz="quarter"/>
+          </p:nvPr>
+        </p:nvSpPr>
+        <p:spPr>
+          <a:xfrm>
+            <a:off x="0" y="0"/>
+            <a:ext cx="2971800" cy="457200"/>
+          </a:xfrm>
+          <a:prstGeom prst="rect">
+            <a:avLst/>
+          </a:prstGeom>
+        </p:spPr>
+        <p:txBody>
+          <a:bodyPr vert="horz" lIns="91440" tIns="45720" rIns="91440" bIns="45720" rtlCol="0"/>
+          <a:lstStyle>
+            <a:lvl1pPr algn="l">
+              <a:defRPr sz="1200"/>
+            </a:lvl1pPr>
+          </a:lstStyle>
+          <a:p>
+            <a:endParaRPr lang="ru-RU"/>
+          </a:p>
+        </p:txBody>
+      </p:sp>
+      <p:sp>
+        <p:nvSpPr>
+          <p:cNvPr id="3" name="Дата 2"/>
+          <p:cNvSpPr>
+            <a:spLocks noGrp="1"/>
+          </p:cNvSpPr>
+          <p:nvPr>
+            <p:ph type="dt" idx="1"/>
+          </p:nvPr>
+        </p:nvSpPr>
+        <p:spPr>
+          <a:xfrm>
+            <a:off x="3884613" y="0"/>
+            <a:ext cx="2971800" cy="457200"/>
+          </a:xfrm>
+          <a:prstGeom prst="rect">
+            <a:avLst/>
+          </a:prstGeom>
+        </p:spPr>
+        <p:txBody>
+          <a:bodyPr vert="horz" lIns="91440" tIns="45720" rIns="91440" bIns="45720" rtlCol="0"/>
+          <a:lstStyle>
+            <a:lvl1pPr algn="r">
+              <a:defRPr sz="1200"/>
+            </a:lvl1pPr>
+          </a:lstStyle>
+          <a:p>
+            <a:fld id="{CDAE3976-D618-4618-8685-8353F885C91B}" type="datetimeFigureOut">
+              <a:rPr lang="ru-RU" smtClean="0"/>
+              <a:t>18.02.2020</a:t>
+            </a:fld>
+            <a:endParaRPr lang="ru-RU"/>
+          </a:p>
+        </p:txBody>
+      </p:sp>
+      <p:sp>
+        <p:nvSpPr>
+          <p:cNvPr id="4" name="Образ слайда 3"/>
+          <p:cNvSpPr>
+            <a:spLocks noGrp="1" noRot="1" noChangeAspect="1"/>
+          </p:cNvSpPr>
+          <p:nvPr>
+            <p:ph type="sldImg" idx="2"/>
+          </p:nvPr>
+        </p:nvSpPr>
+        <p:spPr>
+          <a:xfrm>
+            <a:off x="1143000" y="685800"/>
+            <a:ext cx="4572000" cy="3429000"/>
+          </a:xfrm>
+          <a:prstGeom prst="rect">
+            <a:avLst/>
+          </a:prstGeom>
+          <a:noFill/>
+          <a:ln w="12700">
+            <a:solidFill>
+              <a:prstClr val="black"/>
+            </a:solidFill>
+          </a:ln>
+        </p:spPr>
+        <p:txBody>
+          <a:bodyPr vert="horz" lIns="91440" tIns="45720" rIns="91440" bIns="45720" rtlCol="0" anchor="ctr"/>
+          <a:lstStyle/>
+          <a:p>
+            <a:endParaRPr lang="ru-RU"/>
+          </a:p>
+        </p:txBody>
+      </p:sp>
+      <p:sp>
+        <p:nvSpPr>
+          <p:cNvPr id="5" name="Заметки 4"/>
+          <p:cNvSpPr>
+            <a:spLocks noGrp="1"/>
+          </p:cNvSpPr>
+          <p:nvPr>
+            <p:ph type="body" sz="quarter" idx="3"/>
+          </p:nvPr>
+        </p:nvSpPr>
+        <p:spPr>
+          <a:xfrm>
+            <a:off x="685800" y="4343400"/>
+            <a:ext cx="5486400" cy="4114800"/>
+          </a:xfrm>
+          <a:prstGeom prst="rect">
+            <a:avLst/>
+          </a:prstGeom>
+        </p:spPr>
+        <p:txBody>
+          <a:bodyPr vert="horz" lIns="91440" tIns="45720" rIns="91440" bIns="45720" rtlCol="0">
+            <a:normAutofit/>
+          </a:bodyPr>
+          <a:lstStyle/>
+          <a:p>
+            <a:pPr lvl="0"/>
+            <a:r>
+              <a:rPr lang="ru-RU" smtClean="0"/>
+              <a:t>Образец текста</a:t>
+            </a:r>
+          </a:p>
+          <a:p>
+            <a:pPr lvl="1"/>
+            <a:r>
+              <a:rPr lang="ru-RU" smtClean="0"/>
+              <a:t>Второй уровень</a:t>
+            </a:r>
+          </a:p>
+          <a:p>
+            <a:pPr lvl="2"/>
+            <a:r>
+              <a:rPr lang="ru-RU" smtClean="0"/>
+              <a:t>Третий уровень</a:t>
+            </a:r>
+          </a:p>
+          <a:p>
+            <a:pPr lvl="3"/>
+            <a:r>
+              <a:rPr lang="ru-RU" smtClean="0"/>
+              <a:t>Четвертый уровень</a:t>
+            </a:r>
+          </a:p>
+          <a:p>
+            <a:pPr lvl="4"/>
+            <a:r>
+              <a:rPr lang="ru-RU" smtClean="0"/>
+              <a:t>Пятый уровень</a:t>
+            </a:r>
+            <a:endParaRPr lang="ru-RU"/>
+          </a:p>
+        </p:txBody>
+      </p:sp>
+      <p:sp>
+        <p:nvSpPr>
+          <p:cNvPr id="6" name="Нижний колонтитул 5"/>
+          <p:cNvSpPr>
+            <a:spLocks noGrp="1"/>
+          </p:cNvSpPr>
+          <p:nvPr>
+            <p:ph type="ftr" sz="quarter" idx="4"/>
+          </p:nvPr>
+        </p:nvSpPr>
+        <p:spPr>
+          <a:xfrm>
+            <a:off x="0" y="8685213"/>
+            <a:ext cx="2971800" cy="457200"/>
+          </a:xfrm>
+          <a:prstGeom prst="rect">
+            <a:avLst/>
+          </a:prstGeom>
+        </p:spPr>
+        <p:txBody>
+          <a:bodyPr vert="horz" lIns="91440" tIns="45720" rIns="91440" bIns="45720" rtlCol="0" anchor="b"/>
+          <a:lstStyle>
+            <a:lvl1pPr algn="l">
+              <a:defRPr sz="1200"/>
+            </a:lvl1pPr>
+          </a:lstStyle>
+          <a:p>
+            <a:endParaRPr lang="ru-RU"/>
+          </a:p>
+        </p:txBody>
+      </p:sp>
+      <p:sp>
+        <p:nvSpPr>
+          <p:cNvPr id="7" name="Номер слайда 6"/>
+          <p:cNvSpPr>
+            <a:spLocks noGrp="1"/>
+          </p:cNvSpPr>
+          <p:nvPr>
+            <p:ph type="sldNum" sz="quarter" idx="5"/>
+          </p:nvPr>
+        </p:nvSpPr>
+        <p:spPr>
+          <a:xfrm>
+            <a:off x="3884613" y="8685213"/>
+            <a:ext cx="2971800" cy="457200"/>
+          </a:xfrm>
+          <a:prstGeom prst="rect">
+            <a:avLst/>
+          </a:prstGeom>
+        </p:spPr>
+        <p:txBody>
+          <a:bodyPr vert="horz" lIns="91440" tIns="45720" rIns="91440" bIns="45720" rtlCol="0" anchor="b"/>
+          <a:lstStyle>
+            <a:lvl1pPr algn="r">
+              <a:defRPr sz="1200"/>
+            </a:lvl1pPr>
+          </a:lstStyle>
+          <a:p>
+            <a:fld id="{03E57B69-B01B-417C-93C8-D15C0509ECEB}" type="slidenum">
+              <a:rPr lang="ru-RU" smtClean="0"/>
+              <a:t>‹#›</a:t>
+            </a:fld>
+            <a:endParaRPr lang="ru-RU"/>
+          </a:p>
+        </p:txBody>
+      </p:sp>
+    </p:spTree>
+  </p:cSld>
+  <p:clrMap bg1="lt1" tx1="dk1" bg2="lt2" tx2="dk2" accent1="accent1" accent2="accent2" accent3="accent3" accent4="accent4" accent5="accent5" accent6="accent6" hlink="hlink" folHlink="folHlink"/>
+  <p:notesStyle>
+    <a:lvl1pPr marL="0" algn="l" defTabSz="914400" rtl="0" eaLnBrk="1" latinLnBrk="0" hangingPunct="1">
+      <a:defRPr sz="1200" kern="1200">
+        <a:solidFill>
+          <a:schemeClr val="tx1"/>
+        </a:solidFill>
+        <a:latin typeface="+mn-lt"/>
+        <a:ea typeface="+mn-ea"/>
+        <a:cs typeface="+mn-cs"/>
+      </a:defRPr>
+    </a:lvl1pPr>
+    <a:lvl2pPr marL="457200" algn="l" defTabSz="914400" rtl="0" eaLnBrk="1" latinLnBrk="0" hangingPunct="1">
+      <a:defRPr sz="1200" kern="1200">
+        <a:solidFill>
+          <a:schemeClr val="tx1"/>
+        </a:solidFill>
+        <a:latin typeface="+mn-lt"/>
+        <a:ea typeface="+mn-ea"/>
+        <a:cs typeface="+mn-cs"/>
+      </a:defRPr>
+    </a:lvl2pPr>
+    <a:lvl3pPr marL="914400" algn="l" defTabSz="914400" rtl="0" eaLnBrk="1" latinLnBrk="0" hangingPunct="1">
+      <a:defRPr sz="1200" kern="1200">
+        <a:solidFill>
+          <a:schemeClr val="tx1"/>
+        </a:solidFill>
+        <a:latin typeface="+mn-lt"/>
+        <a:ea typeface="+mn-ea"/>
+        <a:cs typeface="+mn-cs"/>
+      </a:defRPr>
+    </a:lvl3pPr>
+    <a:lvl4pPr marL="1371600" algn="l" defTabSz="914400" rtl="0" eaLnBrk="1" latinLnBrk="0" hangingPunct="1">
+      <a:defRPr sz="1200" kern="1200">
+        <a:solidFill>
+          <a:schemeClr val="tx1"/>
+        </a:solidFill>
+        <a:latin typeface="+mn-lt"/>
+        <a:ea typeface="+mn-ea"/>
+        <a:cs typeface="+mn-cs"/>
+      </a:defRPr>
+    </a:lvl4pPr>
+    <a:lvl5pPr marL="1828800" algn="l" defTabSz="914400" rtl="0" eaLnBrk="1" latinLnBrk="0" hangingPunct="1">
+      <a:defRPr sz="1200" kern="1200">
+        <a:solidFill>
+          <a:schemeClr val="tx1"/>
+        </a:solidFill>
+        <a:latin typeface="+mn-lt"/>
+        <a:ea typeface="+mn-ea"/>
+        <a:cs typeface="+mn-cs"/>
+      </a:defRPr>
+    </a:lvl5pPr>
+    <a:lvl6pPr marL="2286000" algn="l" defTabSz="914400" rtl="0" eaLnBrk="1" latinLnBrk="0" hangingPunct="1">
+      <a:defRPr sz="1200" kern="1200">
+        <a:solidFill>
+          <a:schemeClr val="tx1"/>
+        </a:solidFill>
+        <a:latin typeface="+mn-lt"/>
+        <a:ea typeface="+mn-ea"/>
+        <a:cs typeface="+mn-cs"/>
+      </a:defRPr>
+    </a:lvl6pPr>
+    <a:lvl7pPr marL="2743200" algn="l" defTabSz="914400" rtl="0" eaLnBrk="1" latinLnBrk="0" hangingPunct="1">
+      <a:defRPr sz="1200" kern="1200">
+        <a:solidFill>
+          <a:schemeClr val="tx1"/>
+        </a:solidFill>
+        <a:latin typeface="+mn-lt"/>
+        <a:ea typeface="+mn-ea"/>
+        <a:cs typeface="+mn-cs"/>
+      </a:defRPr>
+    </a:lvl7pPr>
+    <a:lvl8pPr marL="3200400" algn="l" defTabSz="914400" rtl="0" eaLnBrk="1" latinLnBrk="0" hangingPunct="1">
+      <a:defRPr sz="1200" kern="1200">
+        <a:solidFill>
+          <a:schemeClr val="tx1"/>
+        </a:solidFill>
+        <a:latin typeface="+mn-lt"/>
+        <a:ea typeface="+mn-ea"/>
+        <a:cs typeface="+mn-cs"/>
+      </a:defRPr>
+    </a:lvl8pPr>
+    <a:lvl9pPr marL="3657600" algn="l" defTabSz="914400" rtl="0" eaLnBrk="1" latinLnBrk="0" hangingPunct="1">
+      <a:defRPr sz="1200" kern="1200">
+        <a:solidFill>
+          <a:schemeClr val="tx1"/>
+        </a:solidFill>
+        <a:latin typeface="+mn-lt"/>
+        <a:ea typeface="+mn-ea"/>
+        <a:cs typeface="+mn-cs"/>
+      </a:defRPr>
+    </a:lvl9pPr>
+  </p:notesStyle>
+</p:notesMaster>
+</file>
+
+<file path=ppt/notesSlides/notesSlide1.xml><?xml version="1.0" encoding="utf-8"?>
+<p:notes xmlns:a="http://schemas.openxmlformats.org/drawingml/2006/main" xmlns:r="http://schemas.openxmlformats.org/officeDocument/2006/relationships" xmlns:p="http://schemas.openxmlformats.org/presentationml/2006/main">
+  <p:cSld>
+    <p:spTree>
+      <p:nvGrpSpPr>
+        <p:cNvPr id="1" name=""/>
+        <p:cNvGrpSpPr/>
+        <p:nvPr/>
+      </p:nvGrpSpPr>
+      <p:grpSpPr>
+        <a:xfrm>
+          <a:off x="0" y="0"/>
+          <a:ext cx="0" cy="0"/>
+          <a:chOff x="0" y="0"/>
+          <a:chExt cx="0" cy="0"/>
+        </a:xfrm>
+      </p:grpSpPr>
+      <p:sp>
+        <p:nvSpPr>
+          <p:cNvPr id="2" name="Образ слайда 1"/>
+          <p:cNvSpPr>
+            <a:spLocks noGrp="1" noRot="1" noChangeAspect="1"/>
+          </p:cNvSpPr>
+          <p:nvPr>
+            <p:ph type="sldImg"/>
+          </p:nvPr>
+        </p:nvSpPr>
+        <p:spPr/>
+      </p:sp>
+      <p:sp>
+        <p:nvSpPr>
+          <p:cNvPr id="3" name="Заметки 2"/>
+          <p:cNvSpPr>
+            <a:spLocks noGrp="1"/>
+          </p:cNvSpPr>
+          <p:nvPr>
+            <p:ph type="body" idx="1"/>
+          </p:nvPr>
+        </p:nvSpPr>
+        <p:spPr/>
+        <p:txBody>
+          <a:bodyPr>
+            <a:normAutofit/>
+          </a:bodyPr>
+          <a:lstStyle/>
+          <a:p>
+            <a:endParaRPr lang="ru-RU"/>
+          </a:p>
+        </p:txBody>
+      </p:sp>
+      <p:sp>
+        <p:nvSpPr>
+          <p:cNvPr id="4" name="Номер слайда 3"/>
+          <p:cNvSpPr>
+            <a:spLocks noGrp="1"/>
+          </p:cNvSpPr>
+          <p:nvPr>
+            <p:ph type="sldNum" sz="quarter" idx="10"/>
+          </p:nvPr>
+        </p:nvSpPr>
+        <p:spPr/>
+        <p:txBody>
+          <a:bodyPr/>
+          <a:lstStyle/>
+          <a:p>
+            <a:fld id="{03E57B69-B01B-417C-93C8-D15C0509ECEB}" type="slidenum">
+              <a:rPr lang="ru-RU" smtClean="0"/>
+              <a:t>1</a:t>
+            </a:fld>
+            <a:endParaRPr lang="ru-RU"/>
+          </a:p>
+        </p:txBody>
+      </p:sp>
+    </p:spTree>
+  </p:cSld>
+  <p:clrMapOvr>
+    <a:masterClrMapping/>
+  </p:clrMapOvr>
+</p:notes>
+</file>
+
+<file path=ppt/notesSlides/notesSlide10.xml><?xml version="1.0" encoding="utf-8"?>
+<p:notes xmlns:a="http://schemas.openxmlformats.org/drawingml/2006/main" xmlns:r="http://schemas.openxmlformats.org/officeDocument/2006/relationships" xmlns:p="http://schemas.openxmlformats.org/presentationml/2006/main">
+  <p:cSld>
+    <p:spTree>
+      <p:nvGrpSpPr>
+        <p:cNvPr id="1" name=""/>
+        <p:cNvGrpSpPr/>
+        <p:nvPr/>
+      </p:nvGrpSpPr>
+      <p:grpSpPr>
+        <a:xfrm>
+          <a:off x="0" y="0"/>
+          <a:ext cx="0" cy="0"/>
+          <a:chOff x="0" y="0"/>
+          <a:chExt cx="0" cy="0"/>
+        </a:xfrm>
+      </p:grpSpPr>
+      <p:sp>
+        <p:nvSpPr>
+          <p:cNvPr id="2" name="Образ слайда 1"/>
+          <p:cNvSpPr>
+            <a:spLocks noGrp="1" noRot="1" noChangeAspect="1"/>
+          </p:cNvSpPr>
+          <p:nvPr>
+            <p:ph type="sldImg"/>
+          </p:nvPr>
+        </p:nvSpPr>
+        <p:spPr/>
+      </p:sp>
+      <p:sp>
+        <p:nvSpPr>
+          <p:cNvPr id="3" name="Заметки 2"/>
+          <p:cNvSpPr>
+            <a:spLocks noGrp="1"/>
+          </p:cNvSpPr>
+          <p:nvPr>
+            <p:ph type="body" idx="1"/>
+          </p:nvPr>
+        </p:nvSpPr>
+        <p:spPr/>
+        <p:txBody>
+          <a:bodyPr>
+            <a:normAutofit/>
+          </a:bodyPr>
+          <a:lstStyle/>
+          <a:p>
+            <a:endParaRPr lang="ru-RU"/>
+          </a:p>
+        </p:txBody>
+      </p:sp>
+      <p:sp>
+        <p:nvSpPr>
+          <p:cNvPr id="4" name="Номер слайда 3"/>
+          <p:cNvSpPr>
+            <a:spLocks noGrp="1"/>
+          </p:cNvSpPr>
+          <p:nvPr>
+            <p:ph type="sldNum" sz="quarter" idx="10"/>
+          </p:nvPr>
+        </p:nvSpPr>
+        <p:spPr/>
+        <p:txBody>
+          <a:bodyPr/>
+          <a:lstStyle/>
+          <a:p>
+            <a:fld id="{03E57B69-B01B-417C-93C8-D15C0509ECEB}" type="slidenum">
+              <a:rPr lang="ru-RU" smtClean="0"/>
+              <a:t>10</a:t>
+            </a:fld>
+            <a:endParaRPr lang="ru-RU"/>
+          </a:p>
+        </p:txBody>
+      </p:sp>
+    </p:spTree>
+  </p:cSld>
+  <p:clrMapOvr>
+    <a:masterClrMapping/>
+  </p:clrMapOvr>
+</p:notes>
+</file>
+
+<file path=ppt/notesSlides/notesSlide11.xml><?xml version="1.0" encoding="utf-8"?>
+<p:notes xmlns:a="http://schemas.openxmlformats.org/drawingml/2006/main" xmlns:r="http://schemas.openxmlformats.org/officeDocument/2006/relationships" xmlns:p="http://schemas.openxmlformats.org/presentationml/2006/main">
+  <p:cSld>
+    <p:spTree>
+      <p:nvGrpSpPr>
+        <p:cNvPr id="1" name=""/>
+        <p:cNvGrpSpPr/>
+        <p:nvPr/>
+      </p:nvGrpSpPr>
+      <p:grpSpPr>
+        <a:xfrm>
+          <a:off x="0" y="0"/>
+          <a:ext cx="0" cy="0"/>
+          <a:chOff x="0" y="0"/>
+          <a:chExt cx="0" cy="0"/>
+        </a:xfrm>
+      </p:grpSpPr>
+      <p:sp>
+        <p:nvSpPr>
+          <p:cNvPr id="2" name="Образ слайда 1"/>
+          <p:cNvSpPr>
+            <a:spLocks noGrp="1" noRot="1" noChangeAspect="1"/>
+          </p:cNvSpPr>
+          <p:nvPr>
+            <p:ph type="sldImg"/>
+          </p:nvPr>
+        </p:nvSpPr>
+        <p:spPr/>
+      </p:sp>
+      <p:sp>
+        <p:nvSpPr>
+          <p:cNvPr id="3" name="Заметки 2"/>
+          <p:cNvSpPr>
+            <a:spLocks noGrp="1"/>
+          </p:cNvSpPr>
+          <p:nvPr>
+            <p:ph type="body" idx="1"/>
+          </p:nvPr>
+        </p:nvSpPr>
+        <p:spPr/>
+        <p:txBody>
+          <a:bodyPr>
+            <a:normAutofit/>
+          </a:bodyPr>
+          <a:lstStyle/>
+          <a:p>
+            <a:endParaRPr lang="ru-RU"/>
+          </a:p>
+        </p:txBody>
+      </p:sp>
+      <p:sp>
+        <p:nvSpPr>
+          <p:cNvPr id="4" name="Номер слайда 3"/>
+          <p:cNvSpPr>
+            <a:spLocks noGrp="1"/>
+          </p:cNvSpPr>
+          <p:nvPr>
+            <p:ph type="sldNum" sz="quarter" idx="10"/>
+          </p:nvPr>
+        </p:nvSpPr>
+        <p:spPr/>
+        <p:txBody>
+          <a:bodyPr/>
+          <a:lstStyle/>
+          <a:p>
+            <a:fld id="{03E57B69-B01B-417C-93C8-D15C0509ECEB}" type="slidenum">
+              <a:rPr lang="ru-RU" smtClean="0"/>
+              <a:t>11</a:t>
+            </a:fld>
+            <a:endParaRPr lang="ru-RU"/>
+          </a:p>
+        </p:txBody>
+      </p:sp>
+    </p:spTree>
+  </p:cSld>
+  <p:clrMapOvr>
+    <a:masterClrMapping/>
+  </p:clrMapOvr>
+</p:notes>
+</file>
+
+<file path=ppt/notesSlides/notesSlide12.xml><?xml version="1.0" encoding="utf-8"?>
+<p:notes xmlns:a="http://schemas.openxmlformats.org/drawingml/2006/main" xmlns:r="http://schemas.openxmlformats.org/officeDocument/2006/relationships" xmlns:p="http://schemas.openxmlformats.org/presentationml/2006/main">
+  <p:cSld>
+    <p:spTree>
+      <p:nvGrpSpPr>
+        <p:cNvPr id="1" name=""/>
+        <p:cNvGrpSpPr/>
+        <p:nvPr/>
+      </p:nvGrpSpPr>
+      <p:grpSpPr>
+        <a:xfrm>
+          <a:off x="0" y="0"/>
+          <a:ext cx="0" cy="0"/>
+          <a:chOff x="0" y="0"/>
+          <a:chExt cx="0" cy="0"/>
+        </a:xfrm>
+      </p:grpSpPr>
+      <p:sp>
+        <p:nvSpPr>
+          <p:cNvPr id="2" name="Образ слайда 1"/>
+          <p:cNvSpPr>
+            <a:spLocks noGrp="1" noRot="1" noChangeAspect="1"/>
+          </p:cNvSpPr>
+          <p:nvPr>
+            <p:ph type="sldImg"/>
+          </p:nvPr>
+        </p:nvSpPr>
+        <p:spPr/>
+      </p:sp>
+      <p:sp>
+        <p:nvSpPr>
+          <p:cNvPr id="3" name="Заметки 2"/>
+          <p:cNvSpPr>
+            <a:spLocks noGrp="1"/>
+          </p:cNvSpPr>
+          <p:nvPr>
+            <p:ph type="body" idx="1"/>
+          </p:nvPr>
+        </p:nvSpPr>
+        <p:spPr/>
+        <p:txBody>
+          <a:bodyPr>
+            <a:normAutofit/>
+          </a:bodyPr>
+          <a:lstStyle/>
+          <a:p>
+            <a:endParaRPr lang="ru-RU"/>
+          </a:p>
+        </p:txBody>
+      </p:sp>
+      <p:sp>
+        <p:nvSpPr>
+          <p:cNvPr id="4" name="Номер слайда 3"/>
+          <p:cNvSpPr>
+            <a:spLocks noGrp="1"/>
+          </p:cNvSpPr>
+          <p:nvPr>
+            <p:ph type="sldNum" sz="quarter" idx="10"/>
+          </p:nvPr>
+        </p:nvSpPr>
+        <p:spPr/>
+        <p:txBody>
+          <a:bodyPr/>
+          <a:lstStyle/>
+          <a:p>
+            <a:fld id="{03E57B69-B01B-417C-93C8-D15C0509ECEB}" type="slidenum">
+              <a:rPr lang="ru-RU" smtClean="0"/>
+              <a:t>12</a:t>
+            </a:fld>
+            <a:endParaRPr lang="ru-RU"/>
+          </a:p>
+        </p:txBody>
+      </p:sp>
+    </p:spTree>
+  </p:cSld>
+  <p:clrMapOvr>
+    <a:masterClrMapping/>
+  </p:clrMapOvr>
+</p:notes>
+</file>
+
+<file path=ppt/notesSlides/notesSlide13.xml><?xml version="1.0" encoding="utf-8"?>
+<p:notes xmlns:a="http://schemas.openxmlformats.org/drawingml/2006/main" xmlns:r="http://schemas.openxmlformats.org/officeDocument/2006/relationships" xmlns:p="http://schemas.openxmlformats.org/presentationml/2006/main">
+  <p:cSld>
+    <p:spTree>
+      <p:nvGrpSpPr>
+        <p:cNvPr id="1" name=""/>
+        <p:cNvGrpSpPr/>
+        <p:nvPr/>
+      </p:nvGrpSpPr>
+      <p:grpSpPr>
+        <a:xfrm>
+          <a:off x="0" y="0"/>
+          <a:ext cx="0" cy="0"/>
+          <a:chOff x="0" y="0"/>
+          <a:chExt cx="0" cy="0"/>
+        </a:xfrm>
+      </p:grpSpPr>
+      <p:sp>
+        <p:nvSpPr>
+          <p:cNvPr id="2" name="Образ слайда 1"/>
+          <p:cNvSpPr>
+            <a:spLocks noGrp="1" noRot="1" noChangeAspect="1"/>
+          </p:cNvSpPr>
+          <p:nvPr>
+            <p:ph type="sldImg"/>
+          </p:nvPr>
+        </p:nvSpPr>
+        <p:spPr/>
+      </p:sp>
+      <p:sp>
+        <p:nvSpPr>
+          <p:cNvPr id="3" name="Заметки 2"/>
+          <p:cNvSpPr>
+            <a:spLocks noGrp="1"/>
+          </p:cNvSpPr>
+          <p:nvPr>
+            <p:ph type="body" idx="1"/>
+          </p:nvPr>
+        </p:nvSpPr>
+        <p:spPr/>
+        <p:txBody>
+          <a:bodyPr>
+            <a:normAutofit/>
+          </a:bodyPr>
+          <a:lstStyle/>
+          <a:p>
+            <a:endParaRPr lang="ru-RU"/>
+          </a:p>
+        </p:txBody>
+      </p:sp>
+      <p:sp>
+        <p:nvSpPr>
+          <p:cNvPr id="4" name="Номер слайда 3"/>
+          <p:cNvSpPr>
+            <a:spLocks noGrp="1"/>
+          </p:cNvSpPr>
+          <p:nvPr>
+            <p:ph type="sldNum" sz="quarter" idx="10"/>
+          </p:nvPr>
+        </p:nvSpPr>
+        <p:spPr/>
+        <p:txBody>
+          <a:bodyPr/>
+          <a:lstStyle/>
+          <a:p>
+            <a:fld id="{03E57B69-B01B-417C-93C8-D15C0509ECEB}" type="slidenum">
+              <a:rPr lang="ru-RU" smtClean="0"/>
+              <a:t>13</a:t>
+            </a:fld>
+            <a:endParaRPr lang="ru-RU"/>
+          </a:p>
+        </p:txBody>
+      </p:sp>
+    </p:spTree>
+  </p:cSld>
+  <p:clrMapOvr>
+    <a:masterClrMapping/>
+  </p:clrMapOvr>
+</p:notes>
+</file>
+
+<file path=ppt/notesSlides/notesSlide2.xml><?xml version="1.0" encoding="utf-8"?>
+<p:notes xmlns:a="http://schemas.openxmlformats.org/drawingml/2006/main" xmlns:r="http://schemas.openxmlformats.org/officeDocument/2006/relationships" xmlns:p="http://schemas.openxmlformats.org/presentationml/2006/main">
+  <p:cSld>
+    <p:spTree>
+      <p:nvGrpSpPr>
+        <p:cNvPr id="1" name=""/>
+        <p:cNvGrpSpPr/>
+        <p:nvPr/>
+      </p:nvGrpSpPr>
+      <p:grpSpPr>
+        <a:xfrm>
+          <a:off x="0" y="0"/>
+          <a:ext cx="0" cy="0"/>
+          <a:chOff x="0" y="0"/>
+          <a:chExt cx="0" cy="0"/>
+        </a:xfrm>
+      </p:grpSpPr>
+      <p:sp>
+        <p:nvSpPr>
+          <p:cNvPr id="2" name="Образ слайда 1"/>
+          <p:cNvSpPr>
+            <a:spLocks noGrp="1" noRot="1" noChangeAspect="1"/>
+          </p:cNvSpPr>
+          <p:nvPr>
+            <p:ph type="sldImg"/>
+          </p:nvPr>
+        </p:nvSpPr>
+        <p:spPr/>
+      </p:sp>
+      <p:sp>
+        <p:nvSpPr>
+          <p:cNvPr id="3" name="Заметки 2"/>
+          <p:cNvSpPr>
+            <a:spLocks noGrp="1"/>
+          </p:cNvSpPr>
+          <p:nvPr>
+            <p:ph type="body" idx="1"/>
+          </p:nvPr>
+        </p:nvSpPr>
+        <p:spPr/>
+        <p:txBody>
+          <a:bodyPr>
+            <a:normAutofit/>
+          </a:bodyPr>
+          <a:lstStyle/>
+          <a:p>
+            <a:endParaRPr lang="ru-RU"/>
+          </a:p>
+        </p:txBody>
+      </p:sp>
+      <p:sp>
+        <p:nvSpPr>
+          <p:cNvPr id="4" name="Номер слайда 3"/>
+          <p:cNvSpPr>
+            <a:spLocks noGrp="1"/>
+          </p:cNvSpPr>
+          <p:nvPr>
+            <p:ph type="sldNum" sz="quarter" idx="10"/>
+          </p:nvPr>
+        </p:nvSpPr>
+        <p:spPr/>
+        <p:txBody>
+          <a:bodyPr/>
+          <a:lstStyle/>
+          <a:p>
+            <a:fld id="{03E57B69-B01B-417C-93C8-D15C0509ECEB}" type="slidenum">
+              <a:rPr lang="ru-RU" smtClean="0"/>
+              <a:t>2</a:t>
+            </a:fld>
+            <a:endParaRPr lang="ru-RU"/>
+          </a:p>
+        </p:txBody>
+      </p:sp>
+    </p:spTree>
+  </p:cSld>
+  <p:clrMapOvr>
+    <a:masterClrMapping/>
+  </p:clrMapOvr>
+</p:notes>
+</file>
+
+<file path=ppt/notesSlides/notesSlide3.xml><?xml version="1.0" encoding="utf-8"?>
+<p:notes xmlns:a="http://schemas.openxmlformats.org/drawingml/2006/main" xmlns:r="http://schemas.openxmlformats.org/officeDocument/2006/relationships" xmlns:p="http://schemas.openxmlformats.org/presentationml/2006/main">
+  <p:cSld>
+    <p:spTree>
+      <p:nvGrpSpPr>
+        <p:cNvPr id="1" name=""/>
+        <p:cNvGrpSpPr/>
+        <p:nvPr/>
+      </p:nvGrpSpPr>
+      <p:grpSpPr>
+        <a:xfrm>
+          <a:off x="0" y="0"/>
+          <a:ext cx="0" cy="0"/>
+          <a:chOff x="0" y="0"/>
+          <a:chExt cx="0" cy="0"/>
+        </a:xfrm>
+      </p:grpSpPr>
+      <p:sp>
+        <p:nvSpPr>
+          <p:cNvPr id="2" name="Образ слайда 1"/>
+          <p:cNvSpPr>
+            <a:spLocks noGrp="1" noRot="1" noChangeAspect="1"/>
+          </p:cNvSpPr>
+          <p:nvPr>
+            <p:ph type="sldImg"/>
+          </p:nvPr>
+        </p:nvSpPr>
+        <p:spPr/>
+      </p:sp>
+      <p:sp>
+        <p:nvSpPr>
+          <p:cNvPr id="3" name="Заметки 2"/>
+          <p:cNvSpPr>
+            <a:spLocks noGrp="1"/>
+          </p:cNvSpPr>
+          <p:nvPr>
+            <p:ph type="body" idx="1"/>
+          </p:nvPr>
+        </p:nvSpPr>
+        <p:spPr/>
+        <p:txBody>
+          <a:bodyPr>
+            <a:normAutofit/>
+          </a:bodyPr>
+          <a:lstStyle/>
+          <a:p>
+            <a:endParaRPr lang="ru-RU"/>
+          </a:p>
+        </p:txBody>
+      </p:sp>
+      <p:sp>
+        <p:nvSpPr>
+          <p:cNvPr id="4" name="Номер слайда 3"/>
+          <p:cNvSpPr>
+            <a:spLocks noGrp="1"/>
+          </p:cNvSpPr>
+          <p:nvPr>
+            <p:ph type="sldNum" sz="quarter" idx="10"/>
+          </p:nvPr>
+        </p:nvSpPr>
+        <p:spPr/>
+        <p:txBody>
+          <a:bodyPr/>
+          <a:lstStyle/>
+          <a:p>
+            <a:fld id="{03E57B69-B01B-417C-93C8-D15C0509ECEB}" type="slidenum">
+              <a:rPr lang="ru-RU" smtClean="0"/>
+              <a:t>3</a:t>
+            </a:fld>
+            <a:endParaRPr lang="ru-RU"/>
+          </a:p>
+        </p:txBody>
+      </p:sp>
+    </p:spTree>
+  </p:cSld>
+  <p:clrMapOvr>
+    <a:masterClrMapping/>
+  </p:clrMapOvr>
+</p:notes>
+</file>
+
+<file path=ppt/notesSlides/notesSlide4.xml><?xml version="1.0" encoding="utf-8"?>
+<p:notes xmlns:a="http://schemas.openxmlformats.org/drawingml/2006/main" xmlns:r="http://schemas.openxmlformats.org/officeDocument/2006/relationships" xmlns:p="http://schemas.openxmlformats.org/presentationml/2006/main">
+  <p:cSld>
+    <p:spTree>
+      <p:nvGrpSpPr>
+        <p:cNvPr id="1" name=""/>
+        <p:cNvGrpSpPr/>
+        <p:nvPr/>
+      </p:nvGrpSpPr>
+      <p:grpSpPr>
+        <a:xfrm>
+          <a:off x="0" y="0"/>
+          <a:ext cx="0" cy="0"/>
+          <a:chOff x="0" y="0"/>
+          <a:chExt cx="0" cy="0"/>
+        </a:xfrm>
+      </p:grpSpPr>
+      <p:sp>
+        <p:nvSpPr>
+          <p:cNvPr id="2" name="Образ слайда 1"/>
+          <p:cNvSpPr>
+            <a:spLocks noGrp="1" noRot="1" noChangeAspect="1"/>
+          </p:cNvSpPr>
+          <p:nvPr>
+            <p:ph type="sldImg"/>
+          </p:nvPr>
+        </p:nvSpPr>
+        <p:spPr/>
+      </p:sp>
+      <p:sp>
+        <p:nvSpPr>
+          <p:cNvPr id="3" name="Заметки 2"/>
+          <p:cNvSpPr>
+            <a:spLocks noGrp="1"/>
+          </p:cNvSpPr>
+          <p:nvPr>
+            <p:ph type="body" idx="1"/>
+          </p:nvPr>
+        </p:nvSpPr>
+        <p:spPr/>
+        <p:txBody>
+          <a:bodyPr>
+            <a:normAutofit/>
+          </a:bodyPr>
+          <a:lstStyle/>
+          <a:p>
+            <a:endParaRPr lang="ru-RU"/>
+          </a:p>
+        </p:txBody>
+      </p:sp>
+      <p:sp>
+        <p:nvSpPr>
+          <p:cNvPr id="4" name="Номер слайда 3"/>
+          <p:cNvSpPr>
+            <a:spLocks noGrp="1"/>
+          </p:cNvSpPr>
+          <p:nvPr>
+            <p:ph type="sldNum" sz="quarter" idx="10"/>
+          </p:nvPr>
+        </p:nvSpPr>
+        <p:spPr/>
+        <p:txBody>
+          <a:bodyPr/>
+          <a:lstStyle/>
+          <a:p>
+            <a:fld id="{03E57B69-B01B-417C-93C8-D15C0509ECEB}" type="slidenum">
+              <a:rPr lang="ru-RU" smtClean="0"/>
+              <a:t>4</a:t>
+            </a:fld>
+            <a:endParaRPr lang="ru-RU"/>
+          </a:p>
+        </p:txBody>
+      </p:sp>
+    </p:spTree>
+  </p:cSld>
+  <p:clrMapOvr>
+    <a:masterClrMapping/>
+  </p:clrMapOvr>
+</p:notes>
+</file>
+
+<file path=ppt/notesSlides/notesSlide5.xml><?xml version="1.0" encoding="utf-8"?>
+<p:notes xmlns:a="http://schemas.openxmlformats.org/drawingml/2006/main" xmlns:r="http://schemas.openxmlformats.org/officeDocument/2006/relationships" xmlns:p="http://schemas.openxmlformats.org/presentationml/2006/main">
+  <p:cSld>
+    <p:spTree>
+      <p:nvGrpSpPr>
+        <p:cNvPr id="1" name=""/>
+        <p:cNvGrpSpPr/>
+        <p:nvPr/>
+      </p:nvGrpSpPr>
+      <p:grpSpPr>
+        <a:xfrm>
+          <a:off x="0" y="0"/>
+          <a:ext cx="0" cy="0"/>
+          <a:chOff x="0" y="0"/>
+          <a:chExt cx="0" cy="0"/>
+        </a:xfrm>
+      </p:grpSpPr>
+      <p:sp>
+        <p:nvSpPr>
+          <p:cNvPr id="2" name="Образ слайда 1"/>
+          <p:cNvSpPr>
+            <a:spLocks noGrp="1" noRot="1" noChangeAspect="1"/>
+          </p:cNvSpPr>
+          <p:nvPr>
+            <p:ph type="sldImg"/>
+          </p:nvPr>
+        </p:nvSpPr>
+        <p:spPr/>
+      </p:sp>
+      <p:sp>
+        <p:nvSpPr>
+          <p:cNvPr id="3" name="Заметки 2"/>
+          <p:cNvSpPr>
+            <a:spLocks noGrp="1"/>
+          </p:cNvSpPr>
+          <p:nvPr>
+            <p:ph type="body" idx="1"/>
+          </p:nvPr>
+        </p:nvSpPr>
+        <p:spPr/>
+        <p:txBody>
+          <a:bodyPr>
+            <a:normAutofit/>
+          </a:bodyPr>
+          <a:lstStyle/>
+          <a:p>
+            <a:endParaRPr lang="ru-RU"/>
+          </a:p>
+        </p:txBody>
+      </p:sp>
+      <p:sp>
+        <p:nvSpPr>
+          <p:cNvPr id="4" name="Номер слайда 3"/>
+          <p:cNvSpPr>
+            <a:spLocks noGrp="1"/>
+          </p:cNvSpPr>
+          <p:nvPr>
+            <p:ph type="sldNum" sz="quarter" idx="10"/>
+          </p:nvPr>
+        </p:nvSpPr>
+        <p:spPr/>
+        <p:txBody>
+          <a:bodyPr/>
+          <a:lstStyle/>
+          <a:p>
+            <a:fld id="{03E57B69-B01B-417C-93C8-D15C0509ECEB}" type="slidenum">
+              <a:rPr lang="ru-RU" smtClean="0"/>
+              <a:t>5</a:t>
+            </a:fld>
+            <a:endParaRPr lang="ru-RU"/>
+          </a:p>
+        </p:txBody>
+      </p:sp>
+    </p:spTree>
+  </p:cSld>
+  <p:clrMapOvr>
+    <a:masterClrMapping/>
+  </p:clrMapOvr>
+</p:notes>
+</file>
+
+<file path=ppt/notesSlides/notesSlide6.xml><?xml version="1.0" encoding="utf-8"?>
+<p:notes xmlns:a="http://schemas.openxmlformats.org/drawingml/2006/main" xmlns:r="http://schemas.openxmlformats.org/officeDocument/2006/relationships" xmlns:p="http://schemas.openxmlformats.org/presentationml/2006/main">
+  <p:cSld>
+    <p:spTree>
+      <p:nvGrpSpPr>
+        <p:cNvPr id="1" name=""/>
+        <p:cNvGrpSpPr/>
+        <p:nvPr/>
+      </p:nvGrpSpPr>
+      <p:grpSpPr>
+        <a:xfrm>
+          <a:off x="0" y="0"/>
+          <a:ext cx="0" cy="0"/>
+          <a:chOff x="0" y="0"/>
+          <a:chExt cx="0" cy="0"/>
+        </a:xfrm>
+      </p:grpSpPr>
+      <p:sp>
+        <p:nvSpPr>
+          <p:cNvPr id="2" name="Образ слайда 1"/>
+          <p:cNvSpPr>
+            <a:spLocks noGrp="1" noRot="1" noChangeAspect="1"/>
+          </p:cNvSpPr>
+          <p:nvPr>
+            <p:ph type="sldImg"/>
+          </p:nvPr>
+        </p:nvSpPr>
+        <p:spPr/>
+      </p:sp>
+      <p:sp>
+        <p:nvSpPr>
+          <p:cNvPr id="3" name="Заметки 2"/>
+          <p:cNvSpPr>
+            <a:spLocks noGrp="1"/>
+          </p:cNvSpPr>
+          <p:nvPr>
+            <p:ph type="body" idx="1"/>
+          </p:nvPr>
+        </p:nvSpPr>
+        <p:spPr/>
+        <p:txBody>
+          <a:bodyPr>
+            <a:normAutofit/>
+          </a:bodyPr>
+          <a:lstStyle/>
+          <a:p>
+            <a:endParaRPr lang="ru-RU"/>
+          </a:p>
+        </p:txBody>
+      </p:sp>
+      <p:sp>
+        <p:nvSpPr>
+          <p:cNvPr id="4" name="Номер слайда 3"/>
+          <p:cNvSpPr>
+            <a:spLocks noGrp="1"/>
+          </p:cNvSpPr>
+          <p:nvPr>
+            <p:ph type="sldNum" sz="quarter" idx="10"/>
+          </p:nvPr>
+        </p:nvSpPr>
+        <p:spPr/>
+        <p:txBody>
+          <a:bodyPr/>
+          <a:lstStyle/>
+          <a:p>
+            <a:fld id="{03E57B69-B01B-417C-93C8-D15C0509ECEB}" type="slidenum">
+              <a:rPr lang="ru-RU" smtClean="0"/>
+              <a:t>6</a:t>
+            </a:fld>
+            <a:endParaRPr lang="ru-RU"/>
+          </a:p>
+        </p:txBody>
+      </p:sp>
+    </p:spTree>
+  </p:cSld>
+  <p:clrMapOvr>
+    <a:masterClrMapping/>
+  </p:clrMapOvr>
+</p:notes>
+</file>
+
+<file path=ppt/notesSlides/notesSlide7.xml><?xml version="1.0" encoding="utf-8"?>
+<p:notes xmlns:a="http://schemas.openxmlformats.org/drawingml/2006/main" xmlns:r="http://schemas.openxmlformats.org/officeDocument/2006/relationships" xmlns:p="http://schemas.openxmlformats.org/presentationml/2006/main">
+  <p:cSld>
+    <p:spTree>
+      <p:nvGrpSpPr>
+        <p:cNvPr id="1" name=""/>
+        <p:cNvGrpSpPr/>
+        <p:nvPr/>
+      </p:nvGrpSpPr>
+      <p:grpSpPr>
+        <a:xfrm>
+          <a:off x="0" y="0"/>
+          <a:ext cx="0" cy="0"/>
+          <a:chOff x="0" y="0"/>
+          <a:chExt cx="0" cy="0"/>
+        </a:xfrm>
+      </p:grpSpPr>
+      <p:sp>
+        <p:nvSpPr>
+          <p:cNvPr id="2" name="Образ слайда 1"/>
+          <p:cNvSpPr>
+            <a:spLocks noGrp="1" noRot="1" noChangeAspect="1"/>
+          </p:cNvSpPr>
+          <p:nvPr>
+            <p:ph type="sldImg"/>
+          </p:nvPr>
+        </p:nvSpPr>
+        <p:spPr/>
+      </p:sp>
+      <p:sp>
+        <p:nvSpPr>
+          <p:cNvPr id="3" name="Заметки 2"/>
+          <p:cNvSpPr>
+            <a:spLocks noGrp="1"/>
+          </p:cNvSpPr>
+          <p:nvPr>
+            <p:ph type="body" idx="1"/>
+          </p:nvPr>
+        </p:nvSpPr>
+        <p:spPr/>
+        <p:txBody>
+          <a:bodyPr>
+            <a:normAutofit/>
+          </a:bodyPr>
+          <a:lstStyle/>
+          <a:p>
+            <a:endParaRPr lang="ru-RU"/>
+          </a:p>
+        </p:txBody>
+      </p:sp>
+      <p:sp>
+        <p:nvSpPr>
+          <p:cNvPr id="4" name="Номер слайда 3"/>
+          <p:cNvSpPr>
+            <a:spLocks noGrp="1"/>
+          </p:cNvSpPr>
+          <p:nvPr>
+            <p:ph type="sldNum" sz="quarter" idx="10"/>
+          </p:nvPr>
+        </p:nvSpPr>
+        <p:spPr/>
+        <p:txBody>
+          <a:bodyPr/>
+          <a:lstStyle/>
+          <a:p>
+            <a:fld id="{03E57B69-B01B-417C-93C8-D15C0509ECEB}" type="slidenum">
+              <a:rPr lang="ru-RU" smtClean="0"/>
+              <a:t>7</a:t>
+            </a:fld>
+            <a:endParaRPr lang="ru-RU"/>
+          </a:p>
+        </p:txBody>
+      </p:sp>
+    </p:spTree>
+  </p:cSld>
+  <p:clrMapOvr>
+    <a:masterClrMapping/>
+  </p:clrMapOvr>
+</p:notes>
+</file>
+
+<file path=ppt/notesSlides/notesSlide8.xml><?xml version="1.0" encoding="utf-8"?>
+<p:notes xmlns:a="http://schemas.openxmlformats.org/drawingml/2006/main" xmlns:r="http://schemas.openxmlformats.org/officeDocument/2006/relationships" xmlns:p="http://schemas.openxmlformats.org/presentationml/2006/main">
+  <p:cSld>
+    <p:spTree>
+      <p:nvGrpSpPr>
+        <p:cNvPr id="1" name=""/>
+        <p:cNvGrpSpPr/>
+        <p:nvPr/>
+      </p:nvGrpSpPr>
+      <p:grpSpPr>
+        <a:xfrm>
+          <a:off x="0" y="0"/>
+          <a:ext cx="0" cy="0"/>
+          <a:chOff x="0" y="0"/>
+          <a:chExt cx="0" cy="0"/>
+        </a:xfrm>
+      </p:grpSpPr>
+      <p:sp>
+        <p:nvSpPr>
+          <p:cNvPr id="2" name="Образ слайда 1"/>
+          <p:cNvSpPr>
+            <a:spLocks noGrp="1" noRot="1" noChangeAspect="1"/>
+          </p:cNvSpPr>
+          <p:nvPr>
+            <p:ph type="sldImg"/>
+          </p:nvPr>
+        </p:nvSpPr>
+        <p:spPr/>
+      </p:sp>
+      <p:sp>
+        <p:nvSpPr>
+          <p:cNvPr id="3" name="Заметки 2"/>
+          <p:cNvSpPr>
+            <a:spLocks noGrp="1"/>
+          </p:cNvSpPr>
+          <p:nvPr>
+            <p:ph type="body" idx="1"/>
+          </p:nvPr>
+        </p:nvSpPr>
+        <p:spPr/>
+        <p:txBody>
+          <a:bodyPr>
+            <a:normAutofit/>
+          </a:bodyPr>
+          <a:lstStyle/>
+          <a:p>
+            <a:endParaRPr lang="ru-RU"/>
+          </a:p>
+        </p:txBody>
+      </p:sp>
+      <p:sp>
+        <p:nvSpPr>
+          <p:cNvPr id="4" name="Номер слайда 3"/>
+          <p:cNvSpPr>
+            <a:spLocks noGrp="1"/>
+          </p:cNvSpPr>
+          <p:nvPr>
+            <p:ph type="sldNum" sz="quarter" idx="10"/>
+          </p:nvPr>
+        </p:nvSpPr>
+        <p:spPr/>
+        <p:txBody>
+          <a:bodyPr/>
+          <a:lstStyle/>
+          <a:p>
+            <a:fld id="{03E57B69-B01B-417C-93C8-D15C0509ECEB}" type="slidenum">
+              <a:rPr lang="ru-RU" smtClean="0"/>
+              <a:t>8</a:t>
+            </a:fld>
+            <a:endParaRPr lang="ru-RU"/>
+          </a:p>
+        </p:txBody>
+      </p:sp>
+    </p:spTree>
+  </p:cSld>
+  <p:clrMapOvr>
+    <a:masterClrMapping/>
+  </p:clrMapOvr>
+</p:notes>
+</file>
+
+<file path=ppt/notesSlides/notesSlide9.xml><?xml version="1.0" encoding="utf-8"?>
+<p:notes xmlns:a="http://schemas.openxmlformats.org/drawingml/2006/main" xmlns:r="http://schemas.openxmlformats.org/officeDocument/2006/relationships" xmlns:p="http://schemas.openxmlformats.org/presentationml/2006/main">
+  <p:cSld>
+    <p:spTree>
+      <p:nvGrpSpPr>
+        <p:cNvPr id="1" name=""/>
+        <p:cNvGrpSpPr/>
+        <p:nvPr/>
+      </p:nvGrpSpPr>
+      <p:grpSpPr>
+        <a:xfrm>
+          <a:off x="0" y="0"/>
+          <a:ext cx="0" cy="0"/>
+          <a:chOff x="0" y="0"/>
+          <a:chExt cx="0" cy="0"/>
+        </a:xfrm>
+      </p:grpSpPr>
+      <p:sp>
+        <p:nvSpPr>
+          <p:cNvPr id="2" name="Образ слайда 1"/>
+          <p:cNvSpPr>
+            <a:spLocks noGrp="1" noRot="1" noChangeAspect="1"/>
+          </p:cNvSpPr>
+          <p:nvPr>
+            <p:ph type="sldImg"/>
+          </p:nvPr>
+        </p:nvSpPr>
+        <p:spPr/>
+      </p:sp>
+      <p:sp>
+        <p:nvSpPr>
+          <p:cNvPr id="3" name="Заметки 2"/>
+          <p:cNvSpPr>
+            <a:spLocks noGrp="1"/>
+          </p:cNvSpPr>
+          <p:nvPr>
+            <p:ph type="body" idx="1"/>
+          </p:nvPr>
+        </p:nvSpPr>
+        <p:spPr/>
+        <p:txBody>
+          <a:bodyPr>
+            <a:normAutofit/>
+          </a:bodyPr>
+          <a:lstStyle/>
+          <a:p>
+            <a:endParaRPr lang="ru-RU"/>
+          </a:p>
+        </p:txBody>
+      </p:sp>
+      <p:sp>
+        <p:nvSpPr>
+          <p:cNvPr id="4" name="Номер слайда 3"/>
+          <p:cNvSpPr>
+            <a:spLocks noGrp="1"/>
+          </p:cNvSpPr>
+          <p:nvPr>
+            <p:ph type="sldNum" sz="quarter" idx="10"/>
+          </p:nvPr>
+        </p:nvSpPr>
+        <p:spPr/>
+        <p:txBody>
+          <a:bodyPr/>
+          <a:lstStyle/>
+          <a:p>
+            <a:fld id="{03E57B69-B01B-417C-93C8-D15C0509ECEB}" type="slidenum">
+              <a:rPr lang="ru-RU" smtClean="0"/>
+              <a:t>9</a:t>
+            </a:fld>
+            <a:endParaRPr lang="ru-RU"/>
+          </a:p>
+        </p:txBody>
+      </p:sp>
+    </p:spTree>
+  </p:cSld>
+  <p:clrMapOvr>
+    <a:masterClrMapping/>
+  </p:clrMapOvr>
+</p:notes>
+</file>
+
 <file path=ppt/slideLayouts/slideLayout1.xml><?xml version="1.0" encoding="utf-8"?>
 <p:sldLayout xmlns:a="http://schemas.openxmlformats.org/drawingml/2006/main" xmlns:r="http://schemas.openxmlformats.org/officeDocument/2006/relationships" xmlns:p="http://schemas.openxmlformats.org/presentationml/2006/main" type="title" preserve="1">
   <p:cSld name="Титульный слайд">
@@ -299,7 +1704,7 @@
             <a:fld id="{1711C83D-B923-45A4-95F7-B2AB90C649C7}" type="datetimeFigureOut">
               <a:rPr lang="ru-RU" smtClean="0"/>
               <a:pPr/>
-              <a:t>23.11.2016</a:t>
+              <a:t>18.02.2020</a:t>
             </a:fld>
             <a:endParaRPr lang="ru-RU"/>
           </a:p>
@@ -466,7 +1871,7 @@
             <a:fld id="{1711C83D-B923-45A4-95F7-B2AB90C649C7}" type="datetimeFigureOut">
               <a:rPr lang="ru-RU" smtClean="0"/>
               <a:pPr/>
-              <a:t>23.11.2016</a:t>
+              <a:t>18.02.2020</a:t>
             </a:fld>
             <a:endParaRPr lang="ru-RU"/>
           </a:p>
@@ -643,7 +2048,7 @@
             <a:fld id="{1711C83D-B923-45A4-95F7-B2AB90C649C7}" type="datetimeFigureOut">
               <a:rPr lang="ru-RU" smtClean="0"/>
               <a:pPr/>
-              <a:t>23.11.2016</a:t>
+              <a:t>18.02.2020</a:t>
             </a:fld>
             <a:endParaRPr lang="ru-RU"/>
           </a:p>
@@ -810,7 +2215,7 @@
             <a:fld id="{1711C83D-B923-45A4-95F7-B2AB90C649C7}" type="datetimeFigureOut">
               <a:rPr lang="ru-RU" smtClean="0"/>
               <a:pPr/>
-              <a:t>23.11.2016</a:t>
+              <a:t>18.02.2020</a:t>
             </a:fld>
             <a:endParaRPr lang="ru-RU"/>
           </a:p>
@@ -1053,7 +2458,7 @@
             <a:fld id="{1711C83D-B923-45A4-95F7-B2AB90C649C7}" type="datetimeFigureOut">
               <a:rPr lang="ru-RU" smtClean="0"/>
               <a:pPr/>
-              <a:t>23.11.2016</a:t>
+              <a:t>18.02.2020</a:t>
             </a:fld>
             <a:endParaRPr lang="ru-RU"/>
           </a:p>
@@ -1338,7 +2743,7 @@
             <a:fld id="{1711C83D-B923-45A4-95F7-B2AB90C649C7}" type="datetimeFigureOut">
               <a:rPr lang="ru-RU" smtClean="0"/>
               <a:pPr/>
-              <a:t>23.11.2016</a:t>
+              <a:t>18.02.2020</a:t>
             </a:fld>
             <a:endParaRPr lang="ru-RU"/>
           </a:p>
@@ -1757,7 +3162,7 @@
             <a:fld id="{1711C83D-B923-45A4-95F7-B2AB90C649C7}" type="datetimeFigureOut">
               <a:rPr lang="ru-RU" smtClean="0"/>
               <a:pPr/>
-              <a:t>23.11.2016</a:t>
+              <a:t>18.02.2020</a:t>
             </a:fld>
             <a:endParaRPr lang="ru-RU"/>
           </a:p>
@@ -1872,7 +3277,7 @@
             <a:fld id="{1711C83D-B923-45A4-95F7-B2AB90C649C7}" type="datetimeFigureOut">
               <a:rPr lang="ru-RU" smtClean="0"/>
               <a:pPr/>
-              <a:t>23.11.2016</a:t>
+              <a:t>18.02.2020</a:t>
             </a:fld>
             <a:endParaRPr lang="ru-RU"/>
           </a:p>
@@ -1964,7 +3369,7 @@
             <a:fld id="{1711C83D-B923-45A4-95F7-B2AB90C649C7}" type="datetimeFigureOut">
               <a:rPr lang="ru-RU" smtClean="0"/>
               <a:pPr/>
-              <a:t>23.11.2016</a:t>
+              <a:t>18.02.2020</a:t>
             </a:fld>
             <a:endParaRPr lang="ru-RU"/>
           </a:p>
@@ -2238,7 +3643,7 @@
             <a:fld id="{1711C83D-B923-45A4-95F7-B2AB90C649C7}" type="datetimeFigureOut">
               <a:rPr lang="ru-RU" smtClean="0"/>
               <a:pPr/>
-              <a:t>23.11.2016</a:t>
+              <a:t>18.02.2020</a:t>
             </a:fld>
             <a:endParaRPr lang="ru-RU"/>
           </a:p>
@@ -2488,7 +3893,7 @@
             <a:fld id="{1711C83D-B923-45A4-95F7-B2AB90C649C7}" type="datetimeFigureOut">
               <a:rPr lang="ru-RU" smtClean="0"/>
               <a:pPr/>
-              <a:t>23.11.2016</a:t>
+              <a:t>18.02.2020</a:t>
             </a:fld>
             <a:endParaRPr lang="ru-RU"/>
           </a:p>
@@ -2698,7 +4103,7 @@
             <a:fld id="{1711C83D-B923-45A4-95F7-B2AB90C649C7}" type="datetimeFigureOut">
               <a:rPr lang="ru-RU" smtClean="0"/>
               <a:pPr/>
-              <a:t>23.11.2016</a:t>
+              <a:t>18.02.2020</a:t>
             </a:fld>
             <a:endParaRPr lang="ru-RU"/>
           </a:p>
@@ -3179,14 +4584,47 @@
             <a:pPr fontAlgn="base"/>
             <a:r>
               <a:rPr lang="ru-RU" dirty="0" smtClean="0"/>
-              <a:t>Операция приведения типа:</a:t>
-            </a:r>
+              <a:t>Бинарные  операции:</a:t>
+            </a:r>
+            <a:endParaRPr lang="en-US" dirty="0" smtClean="0"/>
           </a:p>
           <a:p>
             <a:pPr fontAlgn="base"/>
             <a:r>
-              <a:rPr lang="en-US" dirty="0" smtClean="0"/>
-              <a:t>Operator {</a:t>
+              <a:rPr lang="ru-RU" dirty="0" smtClean="0"/>
+              <a:t>В классе:</a:t>
+            </a:r>
+            <a:endParaRPr lang="en-US" dirty="0" smtClean="0"/>
+          </a:p>
+          <a:p>
+            <a:pPr lvl="1" fontAlgn="base"/>
+            <a:r>
+              <a:rPr lang="en-US" dirty="0" smtClean="0"/>
+              <a:t>{</a:t>
+            </a:r>
+            <a:r>
+              <a:rPr lang="ru-RU" dirty="0" smtClean="0"/>
+              <a:t>Тип возвращаемого значения</a:t>
+            </a:r>
+            <a:r>
+              <a:rPr lang="en-US" dirty="0" smtClean="0"/>
+              <a:t>} operator {</a:t>
+            </a:r>
+            <a:r>
+              <a:rPr lang="ru-RU" dirty="0" smtClean="0"/>
+              <a:t>знак операции</a:t>
+            </a:r>
+            <a:r>
+              <a:rPr lang="en-US" dirty="0" smtClean="0"/>
+              <a:t>}</a:t>
+            </a:r>
+            <a:r>
+              <a:rPr lang="ru-RU" dirty="0" smtClean="0"/>
+              <a:t> (</a:t>
+            </a:r>
+            <a:r>
+              <a:rPr lang="en-US" dirty="0" smtClean="0"/>
+              <a:t>{</a:t>
             </a:r>
             <a:r>
               <a:rPr lang="ru-RU" dirty="0" smtClean="0"/>
@@ -3194,21 +4632,98 @@
             </a:r>
             <a:r>
               <a:rPr lang="en-US" dirty="0" smtClean="0"/>
+              <a:t>} {</a:t>
+            </a:r>
+            <a:r>
+              <a:rPr lang="ru-RU" dirty="0" smtClean="0"/>
+              <a:t>имя параметра</a:t>
+            </a:r>
+            <a:r>
+              <a:rPr lang="en-US" dirty="0" smtClean="0"/>
               <a:t>}</a:t>
             </a:r>
             <a:r>
               <a:rPr lang="ru-RU" dirty="0" smtClean="0"/>
-              <a:t> ()</a:t>
-            </a:r>
-            <a:r>
-              <a:rPr lang="en-US" dirty="0" smtClean="0"/>
-              <a:t>;</a:t>
-            </a:r>
+              <a:t>);</a:t>
+            </a:r>
+          </a:p>
+          <a:p>
+            <a:pPr fontAlgn="base"/>
+            <a:r>
+              <a:rPr lang="ru-RU" dirty="0" smtClean="0"/>
+              <a:t>Отдельная функция:</a:t>
+            </a:r>
+          </a:p>
+          <a:p>
+            <a:pPr lvl="1" fontAlgn="base"/>
+            <a:r>
+              <a:rPr lang="en-US" dirty="0" smtClean="0"/>
+              <a:t>{</a:t>
+            </a:r>
+            <a:r>
+              <a:rPr lang="ru-RU" dirty="0" smtClean="0"/>
+              <a:t>Тип возвращаемого значения</a:t>
+            </a:r>
+            <a:r>
+              <a:rPr lang="en-US" dirty="0" smtClean="0"/>
+              <a:t>} operator {</a:t>
+            </a:r>
+            <a:r>
+              <a:rPr lang="ru-RU" dirty="0" smtClean="0"/>
+              <a:t>знак операции</a:t>
+            </a:r>
+            <a:r>
+              <a:rPr lang="en-US" dirty="0" smtClean="0"/>
+              <a:t>}</a:t>
+            </a:r>
+            <a:r>
+              <a:rPr lang="ru-RU" dirty="0" smtClean="0"/>
+              <a:t> (</a:t>
+            </a:r>
+            <a:r>
+              <a:rPr lang="en-US" dirty="0" smtClean="0"/>
+              <a:t>{</a:t>
+            </a:r>
+            <a:r>
+              <a:rPr lang="ru-RU" dirty="0" smtClean="0"/>
+              <a:t>Тип параметра</a:t>
+            </a:r>
+            <a:r>
+              <a:rPr lang="en-US" dirty="0" smtClean="0"/>
+              <a:t>} {</a:t>
+            </a:r>
+            <a:r>
+              <a:rPr lang="ru-RU" dirty="0" smtClean="0"/>
+              <a:t>имя параметра</a:t>
+            </a:r>
+            <a:r>
+              <a:rPr lang="en-US" dirty="0" smtClean="0"/>
+              <a:t> 1}, {</a:t>
+            </a:r>
+            <a:r>
+              <a:rPr lang="ru-RU" dirty="0" smtClean="0"/>
+              <a:t>Тип параметра</a:t>
+            </a:r>
+            <a:r>
+              <a:rPr lang="en-US" dirty="0" smtClean="0"/>
+              <a:t>} {</a:t>
+            </a:r>
+            <a:r>
+              <a:rPr lang="ru-RU" dirty="0" smtClean="0"/>
+              <a:t>имя параметра</a:t>
+            </a:r>
+            <a:r>
+              <a:rPr lang="en-US" dirty="0" smtClean="0"/>
+              <a:t> 2}</a:t>
+            </a:r>
+            <a:r>
+              <a:rPr lang="ru-RU" dirty="0" smtClean="0"/>
+              <a:t>);</a:t>
+            </a:r>
+          </a:p>
+          <a:p>
+            <a:pPr fontAlgn="base"/>
             <a:endParaRPr lang="ru-RU" dirty="0" smtClean="0"/>
-          </a:p>
-          <a:p>
-            <a:pPr fontAlgn="base"/>
-            <a:endParaRPr lang="ru-RU" smtClean="0"/>
           </a:p>
           <a:p>
             <a:pPr fontAlgn="base"/>
@@ -3258,6 +4773,386 @@
           <a:p>
             <a:r>
               <a:rPr lang="ru-RU" dirty="0" smtClean="0"/>
+              <a:t>Перегрузка операций</a:t>
+            </a:r>
+            <a:endParaRPr lang="ru-RU" dirty="0"/>
+          </a:p>
+        </p:txBody>
+      </p:sp>
+      <p:sp>
+        <p:nvSpPr>
+          <p:cNvPr id="3" name="Содержимое 2"/>
+          <p:cNvSpPr>
+            <a:spLocks noGrp="1"/>
+          </p:cNvSpPr>
+          <p:nvPr>
+            <p:ph idx="1"/>
+          </p:nvPr>
+        </p:nvSpPr>
+        <p:spPr/>
+        <p:txBody>
+          <a:bodyPr>
+            <a:normAutofit fontScale="85000" lnSpcReduction="20000"/>
+          </a:bodyPr>
+          <a:lstStyle/>
+          <a:p>
+            <a:pPr fontAlgn="base"/>
+            <a:r>
+              <a:rPr lang="ru-RU" dirty="0" smtClean="0"/>
+              <a:t>Унарные операции:</a:t>
+            </a:r>
+            <a:endParaRPr lang="en-US" dirty="0" smtClean="0"/>
+          </a:p>
+          <a:p>
+            <a:pPr fontAlgn="base"/>
+            <a:r>
+              <a:rPr lang="ru-RU" dirty="0" smtClean="0"/>
+              <a:t>В классе:</a:t>
+            </a:r>
+          </a:p>
+          <a:p>
+            <a:pPr lvl="1" fontAlgn="base"/>
+            <a:r>
+              <a:rPr lang="en-US" dirty="0" smtClean="0"/>
+              <a:t>{</a:t>
+            </a:r>
+            <a:r>
+              <a:rPr lang="ru-RU" dirty="0" smtClean="0"/>
+              <a:t>Тип возвращаемого значения</a:t>
+            </a:r>
+            <a:r>
+              <a:rPr lang="en-US" dirty="0" smtClean="0"/>
+              <a:t>} operator {</a:t>
+            </a:r>
+            <a:r>
+              <a:rPr lang="ru-RU" dirty="0" smtClean="0"/>
+              <a:t>знак операции</a:t>
+            </a:r>
+            <a:r>
+              <a:rPr lang="en-US" dirty="0" smtClean="0"/>
+              <a:t>}</a:t>
+            </a:r>
+            <a:r>
+              <a:rPr lang="ru-RU" dirty="0" smtClean="0"/>
+              <a:t> (); // префиксная форма</a:t>
+            </a:r>
+          </a:p>
+          <a:p>
+            <a:pPr lvl="1" fontAlgn="base"/>
+            <a:r>
+              <a:rPr lang="en-US" dirty="0" smtClean="0"/>
+              <a:t>{</a:t>
+            </a:r>
+            <a:r>
+              <a:rPr lang="ru-RU" dirty="0" smtClean="0"/>
+              <a:t>Тип возвращаемого значения</a:t>
+            </a:r>
+            <a:r>
+              <a:rPr lang="en-US" dirty="0" smtClean="0"/>
+              <a:t>} operator {</a:t>
+            </a:r>
+            <a:r>
+              <a:rPr lang="ru-RU" dirty="0" smtClean="0"/>
+              <a:t>знак операции</a:t>
+            </a:r>
+            <a:r>
+              <a:rPr lang="en-US" dirty="0" smtClean="0"/>
+              <a:t>}</a:t>
+            </a:r>
+            <a:r>
+              <a:rPr lang="ru-RU" dirty="0" smtClean="0"/>
+              <a:t> (</a:t>
+            </a:r>
+            <a:r>
+              <a:rPr lang="en-US" dirty="0" err="1" smtClean="0"/>
+              <a:t>int</a:t>
+            </a:r>
+            <a:r>
+              <a:rPr lang="ru-RU" dirty="0" smtClean="0"/>
+              <a:t>); // постфиксная форма</a:t>
+            </a:r>
+            <a:endParaRPr lang="en-US" dirty="0" smtClean="0"/>
+          </a:p>
+          <a:p>
+            <a:pPr fontAlgn="base"/>
+            <a:r>
+              <a:rPr lang="ru-RU" dirty="0" smtClean="0"/>
+              <a:t>Отдельная функция:</a:t>
+            </a:r>
+            <a:endParaRPr lang="en-US" dirty="0" smtClean="0"/>
+          </a:p>
+          <a:p>
+            <a:pPr lvl="1" fontAlgn="base"/>
+            <a:r>
+              <a:rPr lang="en-US" dirty="0" smtClean="0"/>
+              <a:t>{</a:t>
+            </a:r>
+            <a:r>
+              <a:rPr lang="ru-RU" dirty="0" smtClean="0"/>
+              <a:t>Тип возвращаемого значения</a:t>
+            </a:r>
+            <a:r>
+              <a:rPr lang="en-US" dirty="0" smtClean="0"/>
+              <a:t>} operator {</a:t>
+            </a:r>
+            <a:r>
+              <a:rPr lang="ru-RU" dirty="0" smtClean="0"/>
+              <a:t>знак операции</a:t>
+            </a:r>
+            <a:r>
+              <a:rPr lang="en-US" dirty="0" smtClean="0"/>
+              <a:t>}</a:t>
+            </a:r>
+            <a:r>
+              <a:rPr lang="ru-RU" dirty="0" smtClean="0"/>
+              <a:t> (</a:t>
+            </a:r>
+            <a:r>
+              <a:rPr lang="en-US" dirty="0" smtClean="0"/>
+              <a:t>{</a:t>
+            </a:r>
+            <a:r>
+              <a:rPr lang="ru-RU" dirty="0" smtClean="0"/>
+              <a:t>Тип параметра</a:t>
+            </a:r>
+            <a:r>
+              <a:rPr lang="en-US" dirty="0" smtClean="0"/>
+              <a:t>} {</a:t>
+            </a:r>
+            <a:r>
+              <a:rPr lang="ru-RU" dirty="0" smtClean="0"/>
+              <a:t>имя параметра</a:t>
+            </a:r>
+            <a:r>
+              <a:rPr lang="en-US" dirty="0" smtClean="0"/>
+              <a:t>}</a:t>
+            </a:r>
+            <a:r>
+              <a:rPr lang="ru-RU" dirty="0" smtClean="0"/>
+              <a:t>); // префиксная форма</a:t>
+            </a:r>
+          </a:p>
+          <a:p>
+            <a:pPr lvl="1" fontAlgn="base"/>
+            <a:r>
+              <a:rPr lang="en-US" dirty="0" smtClean="0"/>
+              <a:t>{</a:t>
+            </a:r>
+            <a:r>
+              <a:rPr lang="ru-RU" dirty="0" smtClean="0"/>
+              <a:t>Тип возвращаемого значения</a:t>
+            </a:r>
+            <a:r>
+              <a:rPr lang="en-US" dirty="0" smtClean="0"/>
+              <a:t>} operator {</a:t>
+            </a:r>
+            <a:r>
+              <a:rPr lang="ru-RU" dirty="0" smtClean="0"/>
+              <a:t>знак операции</a:t>
+            </a:r>
+            <a:r>
+              <a:rPr lang="en-US" dirty="0" smtClean="0"/>
+              <a:t>}</a:t>
+            </a:r>
+            <a:r>
+              <a:rPr lang="ru-RU" dirty="0" smtClean="0"/>
+              <a:t> (</a:t>
+            </a:r>
+            <a:r>
+              <a:rPr lang="en-US" dirty="0" smtClean="0"/>
+              <a:t>{</a:t>
+            </a:r>
+            <a:r>
+              <a:rPr lang="ru-RU" dirty="0" smtClean="0"/>
+              <a:t>Тип параметра</a:t>
+            </a:r>
+            <a:r>
+              <a:rPr lang="en-US" dirty="0" smtClean="0"/>
+              <a:t>} {</a:t>
+            </a:r>
+            <a:r>
+              <a:rPr lang="ru-RU" dirty="0" smtClean="0"/>
+              <a:t>имя параметра</a:t>
+            </a:r>
+            <a:r>
+              <a:rPr lang="en-US" dirty="0" smtClean="0"/>
+              <a:t>} , </a:t>
+            </a:r>
+            <a:r>
+              <a:rPr lang="en-US" dirty="0" err="1" smtClean="0"/>
+              <a:t>int</a:t>
+            </a:r>
+            <a:r>
+              <a:rPr lang="ru-RU" dirty="0" smtClean="0"/>
+              <a:t>); // постфиксная форма</a:t>
+            </a:r>
+            <a:endParaRPr lang="en-US" dirty="0" smtClean="0"/>
+          </a:p>
+          <a:p>
+            <a:pPr fontAlgn="base"/>
+            <a:endParaRPr lang="ru-RU" dirty="0" smtClean="0"/>
+          </a:p>
+          <a:p>
+            <a:pPr lvl="1" fontAlgn="base"/>
+            <a:endParaRPr lang="ru-RU" dirty="0" smtClean="0"/>
+          </a:p>
+          <a:p>
+            <a:pPr fontAlgn="base"/>
+            <a:endParaRPr lang="ru-RU" dirty="0" smtClean="0"/>
+          </a:p>
+          <a:p>
+            <a:pPr fontAlgn="base"/>
+            <a:endParaRPr lang="en-US" dirty="0" smtClean="0"/>
+          </a:p>
+        </p:txBody>
+      </p:sp>
+    </p:spTree>
+  </p:cSld>
+  <p:clrMapOvr>
+    <a:masterClrMapping/>
+  </p:clrMapOvr>
+</p:sld>
+</file>
+
+<file path=ppt/slides/slide12.xml><?xml version="1.0" encoding="utf-8"?>
+<p:sld xmlns:a="http://schemas.openxmlformats.org/drawingml/2006/main" xmlns:r="http://schemas.openxmlformats.org/officeDocument/2006/relationships" xmlns:p="http://schemas.openxmlformats.org/presentationml/2006/main">
+  <p:cSld>
+    <p:spTree>
+      <p:nvGrpSpPr>
+        <p:cNvPr id="1" name=""/>
+        <p:cNvGrpSpPr/>
+        <p:nvPr/>
+      </p:nvGrpSpPr>
+      <p:grpSpPr>
+        <a:xfrm>
+          <a:off x="0" y="0"/>
+          <a:ext cx="0" cy="0"/>
+          <a:chOff x="0" y="0"/>
+          <a:chExt cx="0" cy="0"/>
+        </a:xfrm>
+      </p:grpSpPr>
+      <p:sp>
+        <p:nvSpPr>
+          <p:cNvPr id="2" name="Заголовок 1"/>
+          <p:cNvSpPr>
+            <a:spLocks noGrp="1"/>
+          </p:cNvSpPr>
+          <p:nvPr>
+            <p:ph type="title"/>
+          </p:nvPr>
+        </p:nvSpPr>
+        <p:spPr/>
+        <p:txBody>
+          <a:bodyPr/>
+          <a:lstStyle/>
+          <a:p>
+            <a:r>
+              <a:rPr lang="ru-RU" dirty="0" smtClean="0"/>
+              <a:t>Перегрузка операций</a:t>
+            </a:r>
+            <a:endParaRPr lang="ru-RU" dirty="0"/>
+          </a:p>
+        </p:txBody>
+      </p:sp>
+      <p:sp>
+        <p:nvSpPr>
+          <p:cNvPr id="3" name="Содержимое 2"/>
+          <p:cNvSpPr>
+            <a:spLocks noGrp="1"/>
+          </p:cNvSpPr>
+          <p:nvPr>
+            <p:ph idx="1"/>
+          </p:nvPr>
+        </p:nvSpPr>
+        <p:spPr/>
+        <p:txBody>
+          <a:bodyPr>
+            <a:normAutofit/>
+          </a:bodyPr>
+          <a:lstStyle/>
+          <a:p>
+            <a:pPr fontAlgn="base"/>
+            <a:r>
+              <a:rPr lang="ru-RU" dirty="0" smtClean="0"/>
+              <a:t>Операция приведения типа:</a:t>
+            </a:r>
+          </a:p>
+          <a:p>
+            <a:pPr fontAlgn="base"/>
+            <a:r>
+              <a:rPr lang="en-US" dirty="0" smtClean="0"/>
+              <a:t>Operator {</a:t>
+            </a:r>
+            <a:r>
+              <a:rPr lang="ru-RU" dirty="0" smtClean="0"/>
+              <a:t>Тип параметра</a:t>
+            </a:r>
+            <a:r>
+              <a:rPr lang="en-US" dirty="0" smtClean="0"/>
+              <a:t>}</a:t>
+            </a:r>
+            <a:r>
+              <a:rPr lang="ru-RU" dirty="0" smtClean="0"/>
+              <a:t> ()</a:t>
+            </a:r>
+            <a:r>
+              <a:rPr lang="en-US" dirty="0" smtClean="0"/>
+              <a:t>;</a:t>
+            </a:r>
+            <a:endParaRPr lang="ru-RU" dirty="0" smtClean="0"/>
+          </a:p>
+          <a:p>
+            <a:pPr fontAlgn="base"/>
+            <a:endParaRPr lang="ru-RU" smtClean="0"/>
+          </a:p>
+          <a:p>
+            <a:pPr fontAlgn="base"/>
+            <a:endParaRPr lang="en-US" dirty="0" smtClean="0"/>
+          </a:p>
+        </p:txBody>
+      </p:sp>
+    </p:spTree>
+  </p:cSld>
+  <p:clrMapOvr>
+    <a:masterClrMapping/>
+  </p:clrMapOvr>
+</p:sld>
+</file>
+
+<file path=ppt/slides/slide13.xml><?xml version="1.0" encoding="utf-8"?>
+<p:sld xmlns:a="http://schemas.openxmlformats.org/drawingml/2006/main" xmlns:r="http://schemas.openxmlformats.org/officeDocument/2006/relationships" xmlns:p="http://schemas.openxmlformats.org/presentationml/2006/main">
+  <p:cSld>
+    <p:spTree>
+      <p:nvGrpSpPr>
+        <p:cNvPr id="1" name=""/>
+        <p:cNvGrpSpPr/>
+        <p:nvPr/>
+      </p:nvGrpSpPr>
+      <p:grpSpPr>
+        <a:xfrm>
+          <a:off x="0" y="0"/>
+          <a:ext cx="0" cy="0"/>
+          <a:chOff x="0" y="0"/>
+          <a:chExt cx="0" cy="0"/>
+        </a:xfrm>
+      </p:grpSpPr>
+      <p:sp>
+        <p:nvSpPr>
+          <p:cNvPr id="2" name="Заголовок 1"/>
+          <p:cNvSpPr>
+            <a:spLocks noGrp="1"/>
+          </p:cNvSpPr>
+          <p:nvPr>
+            <p:ph type="title"/>
+          </p:nvPr>
+        </p:nvSpPr>
+        <p:spPr/>
+        <p:txBody>
+          <a:bodyPr/>
+          <a:lstStyle/>
+          <a:p>
+            <a:r>
+              <a:rPr lang="ru-RU" dirty="0" smtClean="0"/>
               <a:t>Шаблоны</a:t>
             </a:r>
             <a:endParaRPr lang="ru-RU" dirty="0"/>
@@ -3453,7 +5348,7 @@
           <a:p>
             <a:r>
               <a:rPr lang="ru-RU" dirty="0" smtClean="0"/>
-              <a:t>Объявление</a:t>
+              <a:t>Пространство имен</a:t>
             </a:r>
             <a:endParaRPr lang="ru-RU" dirty="0"/>
           </a:p>
@@ -3471,109 +5366,88 @@
         </p:nvSpPr>
         <p:spPr/>
         <p:txBody>
-          <a:bodyPr>
-            <a:normAutofit fontScale="77500" lnSpcReduction="20000"/>
-          </a:bodyPr>
-          <a:lstStyle/>
-          <a:p>
-            <a:pPr fontAlgn="base"/>
-            <a:r>
-              <a:rPr lang="ru-RU" dirty="0"/>
-              <a:t>// объявление классов в С++</a:t>
-            </a:r>
-          </a:p>
-          <a:p>
-            <a:pPr fontAlgn="base"/>
-            <a:r>
-              <a:rPr lang="ru-RU" dirty="0" err="1"/>
-              <a:t>class</a:t>
-            </a:r>
-            <a:r>
-              <a:rPr lang="ru-RU" dirty="0"/>
-              <a:t> /*имя класса*/</a:t>
-            </a:r>
-          </a:p>
-          <a:p>
-            <a:pPr fontAlgn="base"/>
-            <a:r>
-              <a:rPr lang="ru-RU" dirty="0"/>
-              <a:t>{</a:t>
-            </a:r>
-          </a:p>
-          <a:p>
-            <a:pPr fontAlgn="base"/>
-            <a:r>
-              <a:rPr lang="ru-RU" dirty="0"/>
-              <a:t>  </a:t>
-            </a:r>
-            <a:r>
-              <a:rPr lang="ru-RU" dirty="0" err="1"/>
-              <a:t>private</a:t>
-            </a:r>
-            <a:r>
-              <a:rPr lang="ru-RU" dirty="0"/>
-              <a:t>:</a:t>
-            </a:r>
-          </a:p>
-          <a:p>
-            <a:pPr fontAlgn="base"/>
-            <a:r>
-              <a:rPr lang="ru-RU" dirty="0"/>
-              <a:t>  /* список свойств и методов для использования внутри класса */</a:t>
-            </a:r>
-          </a:p>
-          <a:p>
-            <a:pPr fontAlgn="base"/>
-            <a:r>
-              <a:rPr lang="ru-RU" dirty="0"/>
-              <a:t>  </a:t>
-            </a:r>
-            <a:r>
-              <a:rPr lang="ru-RU" dirty="0" err="1"/>
-              <a:t>public</a:t>
-            </a:r>
-            <a:r>
-              <a:rPr lang="ru-RU" dirty="0"/>
-              <a:t>:</a:t>
-            </a:r>
-          </a:p>
-          <a:p>
-            <a:pPr fontAlgn="base"/>
-            <a:r>
-              <a:rPr lang="ru-RU" dirty="0"/>
-              <a:t>  /* список методов доступных другим функциям и объектам программы */</a:t>
-            </a:r>
-          </a:p>
-          <a:p>
-            <a:pPr fontAlgn="base"/>
-            <a:r>
-              <a:rPr lang="ru-RU" dirty="0"/>
-              <a:t>  </a:t>
-            </a:r>
-            <a:r>
-              <a:rPr lang="ru-RU" dirty="0" err="1"/>
-              <a:t>protected</a:t>
-            </a:r>
-            <a:r>
-              <a:rPr lang="ru-RU" dirty="0"/>
-              <a:t>:</a:t>
-            </a:r>
-          </a:p>
-          <a:p>
-            <a:pPr fontAlgn="base"/>
-            <a:r>
-              <a:rPr lang="ru-RU" dirty="0"/>
-              <a:t>  /*список средств, доступных при наследовании*/</a:t>
-            </a:r>
-          </a:p>
-          <a:p>
-            <a:pPr fontAlgn="base"/>
-            <a:r>
-              <a:rPr lang="ru-RU" dirty="0"/>
-              <a:t>};</a:t>
-            </a:r>
-          </a:p>
-          <a:p>
+          <a:bodyPr/>
+          <a:lstStyle/>
+          <a:p>
+            <a:r>
+              <a:rPr lang="ru-RU" dirty="0" smtClean="0"/>
+              <a:t>Пространство имен — это декларативная область, в рамках которой определяются </a:t>
+            </a:r>
+            <a:r>
+              <a:rPr lang="ru-RU" dirty="0" smtClean="0"/>
+              <a:t>различные идентификаторы.</a:t>
+            </a:r>
+          </a:p>
+          <a:p>
+            <a:r>
+              <a:rPr lang="en-US" dirty="0" smtClean="0"/>
+              <a:t>namespace </a:t>
+            </a:r>
+            <a:r>
+              <a:rPr lang="en-US" dirty="0" smtClean="0"/>
+              <a:t>NAME {</a:t>
+            </a:r>
+            <a:r>
+              <a:rPr lang="ru-RU" dirty="0" smtClean="0"/>
+              <a:t>…</a:t>
+            </a:r>
+            <a:r>
+              <a:rPr lang="en-US" dirty="0" smtClean="0"/>
+              <a:t>}; – </a:t>
+            </a:r>
+            <a:r>
+              <a:rPr lang="ru-RU" dirty="0" smtClean="0"/>
+              <a:t>объявление</a:t>
+            </a:r>
+            <a:endParaRPr lang="en-US" dirty="0" smtClean="0"/>
+          </a:p>
+          <a:p>
+            <a:r>
+              <a:rPr lang="en-US" dirty="0" smtClean="0"/>
+              <a:t>using </a:t>
+            </a:r>
+            <a:r>
+              <a:rPr lang="en-US" dirty="0" smtClean="0"/>
+              <a:t>NAME::Object;</a:t>
+            </a:r>
+            <a:r>
+              <a:rPr lang="ru-RU" dirty="0" smtClean="0"/>
+              <a:t> </a:t>
+            </a:r>
+            <a:r>
+              <a:rPr lang="en-US" dirty="0" smtClean="0"/>
+              <a:t>–</a:t>
+            </a:r>
+            <a:r>
+              <a:rPr lang="ru-RU" dirty="0" smtClean="0"/>
+              <a:t> доступ к 1 идентификатору.</a:t>
+            </a:r>
+          </a:p>
+          <a:p>
+            <a:r>
+              <a:rPr lang="en-US" dirty="0" smtClean="0"/>
+              <a:t>using namespace NAME</a:t>
+            </a:r>
+            <a:r>
+              <a:rPr lang="en-US" dirty="0" smtClean="0"/>
+              <a:t>;</a:t>
+            </a:r>
+            <a:r>
+              <a:rPr lang="ru-RU" dirty="0" smtClean="0"/>
+              <a:t> </a:t>
+            </a:r>
+            <a:r>
+              <a:rPr lang="en-US" dirty="0" smtClean="0"/>
+              <a:t>–</a:t>
+            </a:r>
+            <a:r>
+              <a:rPr lang="ru-RU" dirty="0" smtClean="0"/>
+              <a:t> </a:t>
+            </a:r>
+            <a:r>
+              <a:rPr lang="ru-RU" dirty="0" smtClean="0"/>
+              <a:t>подключение пространства имен.</a:t>
+            </a:r>
             <a:endParaRPr lang="ru-RU" dirty="0"/>
           </a:p>
         </p:txBody>
@@ -3620,7 +5494,7 @@
           <a:p>
             <a:r>
               <a:rPr lang="ru-RU" dirty="0" smtClean="0"/>
-              <a:t>Конструктор, Деструктор</a:t>
+              <a:t>Принципы ООП</a:t>
             </a:r>
             <a:endParaRPr lang="ru-RU" dirty="0"/>
           </a:p>
@@ -3639,29 +5513,33 @@
         <p:spPr/>
         <p:txBody>
           <a:bodyPr>
-            <a:normAutofit fontScale="85000" lnSpcReduction="20000"/>
+            <a:noAutofit/>
           </a:bodyPr>
           <a:lstStyle/>
           <a:p>
             <a:r>
-              <a:rPr lang="ru-RU" smtClean="0"/>
-              <a:t>Конструктор — это особая функция-член, инициализирующая экземпляр своего класса. Конструкторы имеют имена, совпадающие с именами классов, и не имеют возвращаемых значений. </a:t>
-            </a:r>
-          </a:p>
-          <a:p>
-            <a:r>
-              <a:rPr lang="ru-RU" smtClean="0"/>
-              <a:t>Функции-деструкторы представляют собой противоположность конструкторам. Они вызываются при уничтожении (отмене выделения памяти) объектов. Для того чтобы указать функцию как деструктор класса, необходимо указать перед именем класса знак тильды (</a:t>
-            </a:r>
-            <a:r>
-              <a:rPr lang="ru-RU" b="1" smtClean="0"/>
-              <a:t>~</a:t>
-            </a:r>
-            <a:r>
-              <a:rPr lang="ru-RU" smtClean="0"/>
-              <a:t>). Например, деструктор для класса String объявляется следующим образом: ~String()</a:t>
-            </a:r>
-            <a:endParaRPr lang="ru-RU" dirty="0"/>
+              <a:rPr lang="ru-RU" sz="2100" dirty="0" smtClean="0"/>
+              <a:t>абстракция для выделения в моделируемом предмете важного для решения конкретной задачи по предмету, в конечном счёте — контекстное понимание предмета, формализуемое в виде класса;</a:t>
+            </a:r>
+          </a:p>
+          <a:p>
+            <a:r>
+              <a:rPr lang="ru-RU" sz="2100" dirty="0" smtClean="0"/>
+              <a:t>инкапсуляция для быстрой и безопасной организации собственно иерархической управляемости: чтобы было достаточно простой команды «что делать», без одновременного уточнения как именно делать, так как это уже другой уровень управления;</a:t>
+            </a:r>
+          </a:p>
+          <a:p>
+            <a:r>
+              <a:rPr lang="ru-RU" sz="2100" dirty="0" smtClean="0"/>
+              <a:t>наследование для быстрой и безопасной организации родственных понятий: чтобы было достаточно на каждом иерархическом шаге учитывать только изменения, не дублируя всё остальное, учтённое на предыдущих шагах;</a:t>
+            </a:r>
+          </a:p>
+          <a:p>
+            <a:r>
+              <a:rPr lang="ru-RU" sz="2100" dirty="0" smtClean="0"/>
+              <a:t>полиморфизм для определения точки, в которой единое управление лучше распараллелить или наоборот — собрать воедино.</a:t>
+            </a:r>
+            <a:endParaRPr lang="ru-RU" sz="2100" dirty="0"/>
           </a:p>
         </p:txBody>
       </p:sp>
@@ -3670,6 +5548,13 @@
   <p:clrMapOvr>
     <a:masterClrMapping/>
   </p:clrMapOvr>
+  <p:timing>
+    <p:tnLst>
+      <p:par>
+        <p:cTn id="1" dur="indefinite" restart="never" nodeType="tmRoot"/>
+      </p:par>
+    </p:tnLst>
+  </p:timing>
 </p:sld>
 </file>
 
@@ -3707,7 +5592,7 @@
           <a:p>
             <a:r>
               <a:rPr lang="ru-RU" dirty="0" smtClean="0"/>
-              <a:t>Конструкторы</a:t>
+              <a:t>Объявление</a:t>
             </a:r>
             <a:endParaRPr lang="ru-RU" dirty="0"/>
           </a:p>
@@ -3723,122 +5608,111 @@
             <p:ph idx="1"/>
           </p:nvPr>
         </p:nvSpPr>
-        <p:spPr>
-          <a:xfrm>
-            <a:off x="457200" y="1600200"/>
-            <a:ext cx="8229600" cy="5043510"/>
-          </a:xfrm>
-        </p:spPr>
+        <p:spPr/>
         <p:txBody>
           <a:bodyPr>
-            <a:normAutofit lnSpcReduction="10000"/>
+            <a:normAutofit fontScale="77500" lnSpcReduction="20000"/>
           </a:bodyPr>
           <a:lstStyle/>
           <a:p>
             <a:pPr fontAlgn="base"/>
             <a:r>
-              <a:rPr lang="ru-RU" dirty="0" err="1" smtClean="0"/>
+              <a:rPr lang="ru-RU" dirty="0"/>
+              <a:t>// объявление классов в С++</a:t>
+            </a:r>
+          </a:p>
+          <a:p>
+            <a:pPr fontAlgn="base"/>
+            <a:r>
+              <a:rPr lang="ru-RU" dirty="0" err="1"/>
               <a:t>class</a:t>
             </a:r>
             <a:r>
-              <a:rPr lang="ru-RU" dirty="0" smtClean="0"/>
-              <a:t> </a:t>
-            </a:r>
-            <a:r>
-              <a:rPr lang="en-US" dirty="0" err="1" smtClean="0"/>
-              <a:t>ClassName</a:t>
-            </a:r>
-            <a:endParaRPr lang="ru-RU" dirty="0" smtClean="0"/>
+              <a:rPr lang="ru-RU" dirty="0"/>
+              <a:t> /*имя класса*/</a:t>
+            </a:r>
           </a:p>
           <a:p>
             <a:pPr fontAlgn="base"/>
             <a:r>
-              <a:rPr lang="ru-RU" dirty="0" smtClean="0"/>
+              <a:rPr lang="ru-RU" dirty="0"/>
               <a:t>{</a:t>
             </a:r>
-            <a:endParaRPr lang="en-US" dirty="0" smtClean="0"/>
           </a:p>
           <a:p>
             <a:pPr fontAlgn="base"/>
             <a:r>
-              <a:rPr lang="en-US" dirty="0" smtClean="0"/>
-              <a:t>public:</a:t>
+              <a:rPr lang="ru-RU" dirty="0"/>
+              <a:t>  </a:t>
+            </a:r>
+            <a:r>
+              <a:rPr lang="ru-RU" dirty="0" err="1"/>
+              <a:t>private</a:t>
+            </a:r>
+            <a:r>
+              <a:rPr lang="ru-RU" dirty="0"/>
+              <a:t>:</a:t>
             </a:r>
           </a:p>
           <a:p>
             <a:pPr fontAlgn="base"/>
             <a:r>
-              <a:rPr lang="en-US" dirty="0" err="1" smtClean="0"/>
-              <a:t>ClassName</a:t>
-            </a:r>
-            <a:r>
-              <a:rPr lang="en-US" dirty="0" smtClean="0"/>
-              <a:t>(); // </a:t>
-            </a:r>
-            <a:r>
-              <a:rPr lang="ru-RU" dirty="0" smtClean="0"/>
-              <a:t>Конструктор по умолчанию</a:t>
+              <a:rPr lang="ru-RU" dirty="0"/>
+              <a:t>  /* список свойств и методов для использования внутри класса */</a:t>
             </a:r>
           </a:p>
           <a:p>
             <a:pPr fontAlgn="base"/>
             <a:r>
-              <a:rPr lang="en-US" dirty="0" err="1" smtClean="0"/>
-              <a:t>ClassName</a:t>
-            </a:r>
-            <a:r>
-              <a:rPr lang="en-US" dirty="0" smtClean="0"/>
-              <a:t>(</a:t>
-            </a:r>
-            <a:r>
-              <a:rPr lang="en-US" dirty="0" err="1" smtClean="0"/>
-              <a:t>ClassName</a:t>
-            </a:r>
-            <a:r>
-              <a:rPr lang="en-US" dirty="0" smtClean="0"/>
-              <a:t>&amp; data); //</a:t>
-            </a:r>
-            <a:r>
-              <a:rPr lang="ru-RU" dirty="0" smtClean="0"/>
-              <a:t> конструктор копирования</a:t>
+              <a:rPr lang="ru-RU" dirty="0"/>
+              <a:t>  </a:t>
+            </a:r>
+            <a:r>
+              <a:rPr lang="ru-RU" dirty="0" err="1"/>
+              <a:t>public</a:t>
+            </a:r>
+            <a:r>
+              <a:rPr lang="ru-RU" dirty="0"/>
+              <a:t>:</a:t>
             </a:r>
           </a:p>
           <a:p>
             <a:pPr fontAlgn="base"/>
             <a:r>
-              <a:rPr lang="en-US" dirty="0" err="1" smtClean="0"/>
-              <a:t>ClassName</a:t>
-            </a:r>
-            <a:r>
-              <a:rPr lang="en-US" dirty="0" smtClean="0"/>
-              <a:t>(</a:t>
-            </a:r>
-            <a:r>
-              <a:rPr lang="en-US" dirty="0" err="1" smtClean="0"/>
-              <a:t>int</a:t>
-            </a:r>
-            <a:r>
-              <a:rPr lang="en-US" dirty="0" smtClean="0"/>
-              <a:t> a, </a:t>
-            </a:r>
-            <a:r>
-              <a:rPr lang="en-US" dirty="0" err="1" smtClean="0"/>
-              <a:t>int</a:t>
-            </a:r>
-            <a:r>
-              <a:rPr lang="en-US" dirty="0" smtClean="0"/>
-              <a:t> b); // </a:t>
-            </a:r>
-            <a:r>
-              <a:rPr lang="ru-RU" dirty="0" smtClean="0"/>
-              <a:t>конструктор от двух параметров</a:t>
-            </a:r>
-          </a:p>
-          <a:p>
-            <a:r>
-              <a:rPr lang="ru-RU" dirty="0" smtClean="0"/>
-              <a:t>…..</a:t>
-            </a:r>
+              <a:rPr lang="ru-RU" dirty="0"/>
+              <a:t>  /* список методов доступных другим функциям и объектам программы */</a:t>
+            </a:r>
+          </a:p>
+          <a:p>
+            <a:pPr fontAlgn="base"/>
+            <a:r>
+              <a:rPr lang="ru-RU" dirty="0"/>
+              <a:t>  </a:t>
+            </a:r>
+            <a:r>
+              <a:rPr lang="ru-RU" dirty="0" err="1"/>
+              <a:t>protected</a:t>
+            </a:r>
+            <a:r>
+              <a:rPr lang="ru-RU" dirty="0"/>
+              <a:t>:</a:t>
+            </a:r>
+          </a:p>
+          <a:p>
+            <a:pPr fontAlgn="base"/>
+            <a:r>
+              <a:rPr lang="ru-RU" dirty="0"/>
+              <a:t>  /*список средств, доступных при наследовании*/</a:t>
+            </a:r>
+          </a:p>
+          <a:p>
+            <a:pPr fontAlgn="base"/>
+            <a:r>
+              <a:rPr lang="ru-RU" dirty="0"/>
+              <a:t>};</a:t>
+            </a:r>
+          </a:p>
+          <a:p>
             <a:endParaRPr lang="ru-RU" dirty="0"/>
           </a:p>
         </p:txBody>
@@ -3885,7 +5759,7 @@
           <a:p>
             <a:r>
               <a:rPr lang="ru-RU" dirty="0" smtClean="0"/>
-              <a:t> Деструктор</a:t>
+              <a:t>Конструктор, Деструктор</a:t>
             </a:r>
             <a:endParaRPr lang="ru-RU" dirty="0"/>
           </a:p>
@@ -3903,54 +5777,28 @@
         </p:nvSpPr>
         <p:spPr/>
         <p:txBody>
-          <a:bodyPr/>
-          <a:lstStyle/>
-          <a:p>
-            <a:pPr fontAlgn="base"/>
-            <a:r>
-              <a:rPr lang="ru-RU" dirty="0" err="1" smtClean="0"/>
-              <a:t>class</a:t>
-            </a:r>
-            <a:r>
-              <a:rPr lang="ru-RU" dirty="0" smtClean="0"/>
-              <a:t> </a:t>
-            </a:r>
-            <a:r>
-              <a:rPr lang="en-US" dirty="0" err="1" smtClean="0"/>
-              <a:t>ClassName</a:t>
-            </a:r>
-            <a:endParaRPr lang="ru-RU" dirty="0" smtClean="0"/>
-          </a:p>
-          <a:p>
-            <a:pPr fontAlgn="base"/>
-            <a:r>
-              <a:rPr lang="ru-RU" dirty="0" smtClean="0"/>
-              <a:t>{</a:t>
-            </a:r>
-            <a:endParaRPr lang="en-US" dirty="0" smtClean="0"/>
-          </a:p>
-          <a:p>
-            <a:r>
-              <a:rPr lang="en-US" dirty="0" smtClean="0"/>
+          <a:bodyPr>
+            <a:normAutofit fontScale="85000" lnSpcReduction="20000"/>
+          </a:bodyPr>
+          <a:lstStyle/>
+          <a:p>
+            <a:r>
+              <a:rPr lang="ru-RU" smtClean="0"/>
+              <a:t>Конструктор — это особая функция-член, инициализирующая экземпляр своего класса. Конструкторы имеют имена, совпадающие с именами классов, и не имеют возвращаемых значений. </a:t>
+            </a:r>
+          </a:p>
+          <a:p>
+            <a:r>
+              <a:rPr lang="ru-RU" smtClean="0"/>
+              <a:t>Функции-деструкторы представляют собой противоположность конструкторам. Они вызываются при уничтожении (отмене выделения памяти) объектов. Для того чтобы указать функцию как деструктор класса, необходимо указать перед именем класса знак тильды (</a:t>
+            </a:r>
+            <a:r>
+              <a:rPr lang="ru-RU" b="1" smtClean="0"/>
               <a:t>~</a:t>
             </a:r>
             <a:r>
-              <a:rPr lang="en-US" dirty="0" err="1" smtClean="0"/>
-              <a:t>ClassName</a:t>
-            </a:r>
-            <a:r>
-              <a:rPr lang="en-US" dirty="0" smtClean="0"/>
-              <a:t>(); // </a:t>
-            </a:r>
-            <a:r>
-              <a:rPr lang="ru-RU" dirty="0" smtClean="0"/>
-              <a:t>деструктор</a:t>
-            </a:r>
-          </a:p>
-          <a:p>
-            <a:r>
-              <a:rPr lang="ru-RU" dirty="0" smtClean="0"/>
-              <a:t>…</a:t>
+              <a:rPr lang="ru-RU" smtClean="0"/>
+              <a:t>). Например, деструктор для класса String объявляется следующим образом: ~String()</a:t>
             </a:r>
             <a:endParaRPr lang="ru-RU" dirty="0"/>
           </a:p>
@@ -3998,7 +5846,7 @@
           <a:p>
             <a:r>
               <a:rPr lang="ru-RU" dirty="0" smtClean="0"/>
-              <a:t>Наследование</a:t>
+              <a:t>Конструкторы</a:t>
             </a:r>
             <a:endParaRPr lang="ru-RU" dirty="0"/>
           </a:p>
@@ -4017,7 +5865,7 @@
         <p:spPr>
           <a:xfrm>
             <a:off x="457200" y="1600200"/>
-            <a:ext cx="8229600" cy="4900634"/>
+            <a:ext cx="8229600" cy="5043510"/>
           </a:xfrm>
         </p:spPr>
         <p:txBody>
@@ -4033,14 +5881,19 @@
             </a:r>
             <a:r>
               <a:rPr lang="ru-RU" dirty="0" smtClean="0"/>
-              <a:t> /*Базовый класс 1*/</a:t>
-            </a:r>
+              <a:t> </a:t>
+            </a:r>
+            <a:r>
+              <a:rPr lang="en-US" dirty="0" err="1" smtClean="0"/>
+              <a:t>ClassName</a:t>
+            </a:r>
+            <a:endParaRPr lang="ru-RU" dirty="0" smtClean="0"/>
           </a:p>
           <a:p>
             <a:pPr fontAlgn="base"/>
             <a:r>
               <a:rPr lang="ru-RU" dirty="0" smtClean="0"/>
-              <a:t>{ … };</a:t>
+              <a:t>{</a:t>
             </a:r>
             <a:endParaRPr lang="en-US" dirty="0" smtClean="0"/>
           </a:p>
@@ -4048,137 +5901,83 @@
             <a:pPr fontAlgn="base"/>
             <a:r>
               <a:rPr lang="en-US" dirty="0" smtClean="0"/>
-              <a:t>…</a:t>
-            </a:r>
-            <a:endParaRPr lang="ru-RU" dirty="0" smtClean="0"/>
+              <a:t>public:</a:t>
+            </a:r>
           </a:p>
           <a:p>
             <a:pPr fontAlgn="base"/>
             <a:r>
-              <a:rPr lang="ru-RU" dirty="0" err="1" smtClean="0"/>
-              <a:t>class</a:t>
-            </a:r>
-            <a:r>
-              <a:rPr lang="ru-RU" dirty="0" smtClean="0"/>
-              <a:t> /*Базовый класс </a:t>
-            </a:r>
-            <a:r>
-              <a:rPr lang="en-US" dirty="0" smtClean="0"/>
-              <a:t>N</a:t>
-            </a:r>
-            <a:r>
-              <a:rPr lang="ru-RU" dirty="0" smtClean="0"/>
-              <a:t>*/</a:t>
+              <a:rPr lang="en-US" dirty="0" err="1" smtClean="0"/>
+              <a:t>ClassName</a:t>
+            </a:r>
+            <a:r>
+              <a:rPr lang="en-US" dirty="0" smtClean="0"/>
+              <a:t>(); // </a:t>
+            </a:r>
+            <a:r>
+              <a:rPr lang="ru-RU" dirty="0" smtClean="0"/>
+              <a:t>Конструктор по умолчанию</a:t>
             </a:r>
           </a:p>
           <a:p>
             <a:pPr fontAlgn="base"/>
             <a:r>
-              <a:rPr lang="ru-RU" dirty="0" smtClean="0"/>
-              <a:t>{ … };</a:t>
+              <a:rPr lang="en-US" dirty="0" err="1" smtClean="0"/>
+              <a:t>ClassName</a:t>
+            </a:r>
+            <a:r>
+              <a:rPr lang="en-US" dirty="0" smtClean="0"/>
+              <a:t>(</a:t>
+            </a:r>
+            <a:r>
+              <a:rPr lang="en-US" dirty="0" err="1" smtClean="0"/>
+              <a:t>ClassName</a:t>
+            </a:r>
+            <a:r>
+              <a:rPr lang="en-US" dirty="0" smtClean="0"/>
+              <a:t>&amp; data); //</a:t>
+            </a:r>
+            <a:r>
+              <a:rPr lang="ru-RU" dirty="0" smtClean="0"/>
+              <a:t> конструктор копирования</a:t>
             </a:r>
           </a:p>
           <a:p>
             <a:pPr fontAlgn="base"/>
             <a:r>
-              <a:rPr lang="ru-RU" dirty="0" err="1" smtClean="0"/>
-              <a:t>class</a:t>
-            </a:r>
-            <a:r>
-              <a:rPr lang="ru-RU" dirty="0" smtClean="0"/>
-              <a:t> /*Наследник*/ : </a:t>
-            </a:r>
-            <a:r>
-              <a:rPr lang="ru-RU" dirty="0" err="1" smtClean="0"/>
-              <a:t>private</a:t>
-            </a:r>
-            <a:r>
-              <a:rPr lang="ru-RU" dirty="0" smtClean="0"/>
-              <a:t> </a:t>
-            </a:r>
-            <a:r>
-              <a:rPr lang="en-US" dirty="0" smtClean="0"/>
-              <a:t>|</a:t>
-            </a:r>
-            <a:r>
-              <a:rPr lang="ru-RU" dirty="0" smtClean="0"/>
-              <a:t> </a:t>
-            </a:r>
-            <a:r>
-              <a:rPr lang="ru-RU" dirty="0" err="1" smtClean="0"/>
-              <a:t>protected</a:t>
-            </a:r>
-            <a:r>
-              <a:rPr lang="en-US" dirty="0" smtClean="0"/>
-              <a:t> | </a:t>
-            </a:r>
-            <a:r>
-              <a:rPr lang="ru-RU" dirty="0" err="1" smtClean="0"/>
-              <a:t>public</a:t>
-            </a:r>
-            <a:r>
-              <a:rPr lang="en-US" dirty="0" smtClean="0"/>
-              <a:t> </a:t>
-            </a:r>
-            <a:r>
-              <a:rPr lang="ru-RU" dirty="0" smtClean="0"/>
-              <a:t>Базовый класс 1</a:t>
-            </a:r>
-            <a:r>
-              <a:rPr lang="en-US" dirty="0" smtClean="0"/>
-              <a:t>, …, </a:t>
-            </a:r>
-            <a:r>
-              <a:rPr lang="ru-RU" dirty="0" err="1" smtClean="0"/>
-              <a:t>private</a:t>
-            </a:r>
-            <a:r>
-              <a:rPr lang="ru-RU" dirty="0" smtClean="0"/>
-              <a:t> </a:t>
-            </a:r>
-            <a:r>
-              <a:rPr lang="en-US" dirty="0" smtClean="0"/>
-              <a:t>|</a:t>
-            </a:r>
-            <a:r>
-              <a:rPr lang="ru-RU" dirty="0" smtClean="0"/>
-              <a:t> </a:t>
-            </a:r>
-            <a:r>
-              <a:rPr lang="ru-RU" dirty="0" err="1" smtClean="0"/>
-              <a:t>protected</a:t>
-            </a:r>
-            <a:r>
-              <a:rPr lang="en-US" dirty="0" smtClean="0"/>
-              <a:t> | </a:t>
-            </a:r>
-            <a:r>
-              <a:rPr lang="ru-RU" dirty="0" err="1" smtClean="0"/>
-              <a:t>public</a:t>
-            </a:r>
-            <a:r>
-              <a:rPr lang="en-US" dirty="0" smtClean="0"/>
-              <a:t> </a:t>
-            </a:r>
-            <a:r>
-              <a:rPr lang="ru-RU" dirty="0" smtClean="0"/>
-              <a:t>Базовый класс </a:t>
-            </a:r>
-            <a:r>
-              <a:rPr lang="en-US" dirty="0" smtClean="0"/>
-              <a:t>N</a:t>
-            </a:r>
-            <a:endParaRPr lang="ru-RU" dirty="0" smtClean="0"/>
-          </a:p>
-          <a:p>
-            <a:pPr fontAlgn="base"/>
-            <a:r>
-              <a:rPr lang="ru-RU" dirty="0" smtClean="0"/>
-              <a:t>{ … };</a:t>
-            </a:r>
-          </a:p>
-          <a:p>
-            <a:pPr fontAlgn="base"/>
+              <a:rPr lang="en-US" dirty="0" err="1" smtClean="0"/>
+              <a:t>ClassName</a:t>
+            </a:r>
+            <a:r>
+              <a:rPr lang="en-US" dirty="0" smtClean="0"/>
+              <a:t>(</a:t>
+            </a:r>
+            <a:r>
+              <a:rPr lang="en-US" dirty="0" err="1" smtClean="0"/>
+              <a:t>int</a:t>
+            </a:r>
+            <a:r>
+              <a:rPr lang="en-US" dirty="0" smtClean="0"/>
+              <a:t> a, </a:t>
+            </a:r>
+            <a:r>
+              <a:rPr lang="en-US" dirty="0" err="1" smtClean="0"/>
+              <a:t>int</a:t>
+            </a:r>
+            <a:r>
+              <a:rPr lang="en-US" dirty="0" smtClean="0"/>
+              <a:t> b); // </a:t>
+            </a:r>
+            <a:r>
+              <a:rPr lang="ru-RU" dirty="0" smtClean="0"/>
+              <a:t>конструктор от двух параметров</a:t>
+            </a:r>
+          </a:p>
+          <a:p>
+            <a:r>
+              <a:rPr lang="ru-RU" dirty="0" smtClean="0"/>
+              <a:t>…..</a:t>
+            </a:r>
             <a:endParaRPr lang="ru-RU" dirty="0"/>
           </a:p>
         </p:txBody>
@@ -4192,6 +5991,346 @@
 </file>
 
 <file path=ppt/slides/slide7.xml><?xml version="1.0" encoding="utf-8"?>
+<p:sld xmlns:a="http://schemas.openxmlformats.org/drawingml/2006/main" xmlns:r="http://schemas.openxmlformats.org/officeDocument/2006/relationships" xmlns:p="http://schemas.openxmlformats.org/presentationml/2006/main">
+  <p:cSld>
+    <p:spTree>
+      <p:nvGrpSpPr>
+        <p:cNvPr id="1" name=""/>
+        <p:cNvGrpSpPr/>
+        <p:nvPr/>
+      </p:nvGrpSpPr>
+      <p:grpSpPr>
+        <a:xfrm>
+          <a:off x="0" y="0"/>
+          <a:ext cx="0" cy="0"/>
+          <a:chOff x="0" y="0"/>
+          <a:chExt cx="0" cy="0"/>
+        </a:xfrm>
+      </p:grpSpPr>
+      <p:sp>
+        <p:nvSpPr>
+          <p:cNvPr id="2" name="Заголовок 1"/>
+          <p:cNvSpPr>
+            <a:spLocks noGrp="1"/>
+          </p:cNvSpPr>
+          <p:nvPr>
+            <p:ph type="title"/>
+          </p:nvPr>
+        </p:nvSpPr>
+        <p:spPr/>
+        <p:txBody>
+          <a:bodyPr/>
+          <a:lstStyle/>
+          <a:p>
+            <a:r>
+              <a:rPr lang="ru-RU" dirty="0" smtClean="0"/>
+              <a:t> Деструктор</a:t>
+            </a:r>
+            <a:endParaRPr lang="ru-RU" dirty="0"/>
+          </a:p>
+        </p:txBody>
+      </p:sp>
+      <p:sp>
+        <p:nvSpPr>
+          <p:cNvPr id="3" name="Содержимое 2"/>
+          <p:cNvSpPr>
+            <a:spLocks noGrp="1"/>
+          </p:cNvSpPr>
+          <p:nvPr>
+            <p:ph idx="1"/>
+          </p:nvPr>
+        </p:nvSpPr>
+        <p:spPr/>
+        <p:txBody>
+          <a:bodyPr/>
+          <a:lstStyle/>
+          <a:p>
+            <a:pPr fontAlgn="base"/>
+            <a:r>
+              <a:rPr lang="ru-RU" dirty="0" err="1" smtClean="0"/>
+              <a:t>class</a:t>
+            </a:r>
+            <a:r>
+              <a:rPr lang="ru-RU" dirty="0" smtClean="0"/>
+              <a:t> </a:t>
+            </a:r>
+            <a:r>
+              <a:rPr lang="en-US" dirty="0" err="1" smtClean="0"/>
+              <a:t>ClassName</a:t>
+            </a:r>
+            <a:endParaRPr lang="ru-RU" dirty="0" smtClean="0"/>
+          </a:p>
+          <a:p>
+            <a:pPr fontAlgn="base"/>
+            <a:r>
+              <a:rPr lang="ru-RU" dirty="0" smtClean="0"/>
+              <a:t>{</a:t>
+            </a:r>
+            <a:endParaRPr lang="en-US" dirty="0" smtClean="0"/>
+          </a:p>
+          <a:p>
+            <a:r>
+              <a:rPr lang="en-US" dirty="0" smtClean="0"/>
+              <a:t>~</a:t>
+            </a:r>
+            <a:r>
+              <a:rPr lang="en-US" dirty="0" err="1" smtClean="0"/>
+              <a:t>ClassName</a:t>
+            </a:r>
+            <a:r>
+              <a:rPr lang="en-US" dirty="0" smtClean="0"/>
+              <a:t>(); // </a:t>
+            </a:r>
+            <a:r>
+              <a:rPr lang="ru-RU" dirty="0" smtClean="0"/>
+              <a:t>деструктор</a:t>
+            </a:r>
+          </a:p>
+          <a:p>
+            <a:r>
+              <a:rPr lang="ru-RU" dirty="0" smtClean="0"/>
+              <a:t>…</a:t>
+            </a:r>
+            <a:endParaRPr lang="ru-RU" dirty="0"/>
+          </a:p>
+        </p:txBody>
+      </p:sp>
+    </p:spTree>
+  </p:cSld>
+  <p:clrMapOvr>
+    <a:masterClrMapping/>
+  </p:clrMapOvr>
+</p:sld>
+</file>
+
+<file path=ppt/slides/slide8.xml><?xml version="1.0" encoding="utf-8"?>
+<p:sld xmlns:a="http://schemas.openxmlformats.org/drawingml/2006/main" xmlns:r="http://schemas.openxmlformats.org/officeDocument/2006/relationships" xmlns:p="http://schemas.openxmlformats.org/presentationml/2006/main">
+  <p:cSld>
+    <p:spTree>
+      <p:nvGrpSpPr>
+        <p:cNvPr id="1" name=""/>
+        <p:cNvGrpSpPr/>
+        <p:nvPr/>
+      </p:nvGrpSpPr>
+      <p:grpSpPr>
+        <a:xfrm>
+          <a:off x="0" y="0"/>
+          <a:ext cx="0" cy="0"/>
+          <a:chOff x="0" y="0"/>
+          <a:chExt cx="0" cy="0"/>
+        </a:xfrm>
+      </p:grpSpPr>
+      <p:sp>
+        <p:nvSpPr>
+          <p:cNvPr id="2" name="Заголовок 1"/>
+          <p:cNvSpPr>
+            <a:spLocks noGrp="1"/>
+          </p:cNvSpPr>
+          <p:nvPr>
+            <p:ph type="title"/>
+          </p:nvPr>
+        </p:nvSpPr>
+        <p:spPr/>
+        <p:txBody>
+          <a:bodyPr/>
+          <a:lstStyle/>
+          <a:p>
+            <a:r>
+              <a:rPr lang="ru-RU" dirty="0" smtClean="0"/>
+              <a:t>Наследование</a:t>
+            </a:r>
+            <a:endParaRPr lang="ru-RU" dirty="0"/>
+          </a:p>
+        </p:txBody>
+      </p:sp>
+      <p:sp>
+        <p:nvSpPr>
+          <p:cNvPr id="3" name="Содержимое 2"/>
+          <p:cNvSpPr>
+            <a:spLocks noGrp="1"/>
+          </p:cNvSpPr>
+          <p:nvPr>
+            <p:ph idx="1"/>
+          </p:nvPr>
+        </p:nvSpPr>
+        <p:spPr>
+          <a:xfrm>
+            <a:off x="457200" y="1600200"/>
+            <a:ext cx="8229600" cy="4900634"/>
+          </a:xfrm>
+        </p:spPr>
+        <p:txBody>
+          <a:bodyPr>
+            <a:normAutofit lnSpcReduction="10000"/>
+          </a:bodyPr>
+          <a:lstStyle/>
+          <a:p>
+            <a:pPr fontAlgn="base"/>
+            <a:r>
+              <a:rPr lang="ru-RU" dirty="0" err="1" smtClean="0"/>
+              <a:t>class</a:t>
+            </a:r>
+            <a:r>
+              <a:rPr lang="ru-RU" dirty="0" smtClean="0"/>
+              <a:t> /*Базовый класс 1*/</a:t>
+            </a:r>
+          </a:p>
+          <a:p>
+            <a:pPr fontAlgn="base"/>
+            <a:r>
+              <a:rPr lang="ru-RU" dirty="0" smtClean="0"/>
+              <a:t>{ … };</a:t>
+            </a:r>
+            <a:endParaRPr lang="en-US" dirty="0" smtClean="0"/>
+          </a:p>
+          <a:p>
+            <a:pPr fontAlgn="base"/>
+            <a:r>
+              <a:rPr lang="en-US" dirty="0" smtClean="0"/>
+              <a:t>…</a:t>
+            </a:r>
+            <a:endParaRPr lang="ru-RU" dirty="0" smtClean="0"/>
+          </a:p>
+          <a:p>
+            <a:pPr fontAlgn="base"/>
+            <a:r>
+              <a:rPr lang="ru-RU" dirty="0" err="1" smtClean="0"/>
+              <a:t>class</a:t>
+            </a:r>
+            <a:r>
+              <a:rPr lang="ru-RU" dirty="0" smtClean="0"/>
+              <a:t> /*Базовый класс </a:t>
+            </a:r>
+            <a:r>
+              <a:rPr lang="en-US" dirty="0" smtClean="0"/>
+              <a:t>N</a:t>
+            </a:r>
+            <a:r>
+              <a:rPr lang="ru-RU" dirty="0" smtClean="0"/>
+              <a:t>*/</a:t>
+            </a:r>
+          </a:p>
+          <a:p>
+            <a:pPr fontAlgn="base"/>
+            <a:r>
+              <a:rPr lang="ru-RU" dirty="0" smtClean="0"/>
+              <a:t>{ … };</a:t>
+            </a:r>
+          </a:p>
+          <a:p>
+            <a:pPr fontAlgn="base"/>
+            <a:r>
+              <a:rPr lang="ru-RU" dirty="0" err="1" smtClean="0"/>
+              <a:t>class</a:t>
+            </a:r>
+            <a:r>
+              <a:rPr lang="ru-RU" dirty="0" smtClean="0"/>
+              <a:t> /*Наследник*/ : </a:t>
+            </a:r>
+            <a:r>
+              <a:rPr lang="ru-RU" dirty="0" err="1" smtClean="0"/>
+              <a:t>private</a:t>
+            </a:r>
+            <a:r>
+              <a:rPr lang="ru-RU" dirty="0" smtClean="0"/>
+              <a:t> </a:t>
+            </a:r>
+            <a:r>
+              <a:rPr lang="en-US" dirty="0" smtClean="0"/>
+              <a:t>|</a:t>
+            </a:r>
+            <a:r>
+              <a:rPr lang="ru-RU" dirty="0" smtClean="0"/>
+              <a:t> </a:t>
+            </a:r>
+            <a:r>
+              <a:rPr lang="ru-RU" dirty="0" err="1" smtClean="0"/>
+              <a:t>protected</a:t>
+            </a:r>
+            <a:r>
+              <a:rPr lang="en-US" dirty="0" smtClean="0"/>
+              <a:t> | </a:t>
+            </a:r>
+            <a:r>
+              <a:rPr lang="ru-RU" dirty="0" err="1" smtClean="0"/>
+              <a:t>public</a:t>
+            </a:r>
+            <a:r>
+              <a:rPr lang="en-US" dirty="0" smtClean="0"/>
+              <a:t> </a:t>
+            </a:r>
+            <a:r>
+              <a:rPr lang="ru-RU" dirty="0" smtClean="0"/>
+              <a:t>Базовый класс 1</a:t>
+            </a:r>
+            <a:r>
+              <a:rPr lang="en-US" dirty="0" smtClean="0"/>
+              <a:t>, …, </a:t>
+            </a:r>
+            <a:r>
+              <a:rPr lang="ru-RU" dirty="0" err="1" smtClean="0"/>
+              <a:t>private</a:t>
+            </a:r>
+            <a:r>
+              <a:rPr lang="ru-RU" dirty="0" smtClean="0"/>
+              <a:t> </a:t>
+            </a:r>
+            <a:r>
+              <a:rPr lang="en-US" dirty="0" smtClean="0"/>
+              <a:t>|</a:t>
+            </a:r>
+            <a:r>
+              <a:rPr lang="ru-RU" dirty="0" smtClean="0"/>
+              <a:t> </a:t>
+            </a:r>
+            <a:r>
+              <a:rPr lang="ru-RU" dirty="0" err="1" smtClean="0"/>
+              <a:t>protected</a:t>
+            </a:r>
+            <a:r>
+              <a:rPr lang="en-US" dirty="0" smtClean="0"/>
+              <a:t> | </a:t>
+            </a:r>
+            <a:r>
+              <a:rPr lang="ru-RU" dirty="0" err="1" smtClean="0"/>
+              <a:t>public</a:t>
+            </a:r>
+            <a:r>
+              <a:rPr lang="en-US" dirty="0" smtClean="0"/>
+              <a:t> </a:t>
+            </a:r>
+            <a:r>
+              <a:rPr lang="ru-RU" dirty="0" smtClean="0"/>
+              <a:t>Базовый класс </a:t>
+            </a:r>
+            <a:r>
+              <a:rPr lang="en-US" dirty="0" smtClean="0"/>
+              <a:t>N</a:t>
+            </a:r>
+            <a:endParaRPr lang="ru-RU" dirty="0" smtClean="0"/>
+          </a:p>
+          <a:p>
+            <a:pPr fontAlgn="base"/>
+            <a:r>
+              <a:rPr lang="ru-RU" dirty="0" smtClean="0"/>
+              <a:t>{ … };</a:t>
+            </a:r>
+          </a:p>
+          <a:p>
+            <a:pPr fontAlgn="base"/>
+            <a:endParaRPr lang="ru-RU" dirty="0"/>
+          </a:p>
+        </p:txBody>
+      </p:sp>
+    </p:spTree>
+  </p:cSld>
+  <p:clrMapOvr>
+    <a:masterClrMapping/>
+  </p:clrMapOvr>
+</p:sld>
+</file>
+
+<file path=ppt/slides/slide9.xml><?xml version="1.0" encoding="utf-8"?>
 <p:sld xmlns:a="http://schemas.openxmlformats.org/drawingml/2006/main" xmlns:r="http://schemas.openxmlformats.org/officeDocument/2006/relationships" xmlns:p="http://schemas.openxmlformats.org/presentationml/2006/main">
   <p:cSld>
     <p:spTree>
@@ -4581,496 +6720,6 @@
 </p:sld>
 </file>
 
-<file path=ppt/slides/slide8.xml><?xml version="1.0" encoding="utf-8"?>
-<p:sld xmlns:a="http://schemas.openxmlformats.org/drawingml/2006/main" xmlns:r="http://schemas.openxmlformats.org/officeDocument/2006/relationships" xmlns:p="http://schemas.openxmlformats.org/presentationml/2006/main">
-  <p:cSld>
-    <p:spTree>
-      <p:nvGrpSpPr>
-        <p:cNvPr id="1" name=""/>
-        <p:cNvGrpSpPr/>
-        <p:nvPr/>
-      </p:nvGrpSpPr>
-      <p:grpSpPr>
-        <a:xfrm>
-          <a:off x="0" y="0"/>
-          <a:ext cx="0" cy="0"/>
-          <a:chOff x="0" y="0"/>
-          <a:chExt cx="0" cy="0"/>
-        </a:xfrm>
-      </p:grpSpPr>
-      <p:sp>
-        <p:nvSpPr>
-          <p:cNvPr id="2" name="Заголовок 1"/>
-          <p:cNvSpPr>
-            <a:spLocks noGrp="1"/>
-          </p:cNvSpPr>
-          <p:nvPr>
-            <p:ph type="title"/>
-          </p:nvPr>
-        </p:nvSpPr>
-        <p:spPr/>
-        <p:txBody>
-          <a:bodyPr/>
-          <a:lstStyle/>
-          <a:p>
-            <a:r>
-              <a:rPr lang="ru-RU" dirty="0" smtClean="0"/>
-              <a:t>Перегрузка операций</a:t>
-            </a:r>
-            <a:endParaRPr lang="ru-RU" dirty="0"/>
-          </a:p>
-        </p:txBody>
-      </p:sp>
-      <p:sp>
-        <p:nvSpPr>
-          <p:cNvPr id="3" name="Содержимое 2"/>
-          <p:cNvSpPr>
-            <a:spLocks noGrp="1"/>
-          </p:cNvSpPr>
-          <p:nvPr>
-            <p:ph idx="1"/>
-          </p:nvPr>
-        </p:nvSpPr>
-        <p:spPr/>
-        <p:txBody>
-          <a:bodyPr>
-            <a:normAutofit/>
-          </a:bodyPr>
-          <a:lstStyle/>
-          <a:p>
-            <a:pPr fontAlgn="base"/>
-            <a:r>
-              <a:rPr lang="ru-RU" dirty="0" smtClean="0"/>
-              <a:t>Бинарные  операции:</a:t>
-            </a:r>
-            <a:endParaRPr lang="en-US" dirty="0" smtClean="0"/>
-          </a:p>
-          <a:p>
-            <a:pPr fontAlgn="base"/>
-            <a:r>
-              <a:rPr lang="ru-RU" dirty="0" smtClean="0"/>
-              <a:t>В классе:</a:t>
-            </a:r>
-            <a:endParaRPr lang="en-US" dirty="0" smtClean="0"/>
-          </a:p>
-          <a:p>
-            <a:pPr lvl="1" fontAlgn="base"/>
-            <a:r>
-              <a:rPr lang="en-US" dirty="0" smtClean="0"/>
-              <a:t>{</a:t>
-            </a:r>
-            <a:r>
-              <a:rPr lang="ru-RU" dirty="0" smtClean="0"/>
-              <a:t>Тип возвращаемого значения</a:t>
-            </a:r>
-            <a:r>
-              <a:rPr lang="en-US" dirty="0" smtClean="0"/>
-              <a:t>} operator {</a:t>
-            </a:r>
-            <a:r>
-              <a:rPr lang="ru-RU" dirty="0" smtClean="0"/>
-              <a:t>знак операции</a:t>
-            </a:r>
-            <a:r>
-              <a:rPr lang="en-US" dirty="0" smtClean="0"/>
-              <a:t>}</a:t>
-            </a:r>
-            <a:r>
-              <a:rPr lang="ru-RU" dirty="0" smtClean="0"/>
-              <a:t> (</a:t>
-            </a:r>
-            <a:r>
-              <a:rPr lang="en-US" dirty="0" smtClean="0"/>
-              <a:t>{</a:t>
-            </a:r>
-            <a:r>
-              <a:rPr lang="ru-RU" dirty="0" smtClean="0"/>
-              <a:t>Тип параметра</a:t>
-            </a:r>
-            <a:r>
-              <a:rPr lang="en-US" dirty="0" smtClean="0"/>
-              <a:t>} {</a:t>
-            </a:r>
-            <a:r>
-              <a:rPr lang="ru-RU" dirty="0" smtClean="0"/>
-              <a:t>имя параметра</a:t>
-            </a:r>
-            <a:r>
-              <a:rPr lang="en-US" dirty="0" smtClean="0"/>
-              <a:t>}</a:t>
-            </a:r>
-            <a:r>
-              <a:rPr lang="ru-RU" dirty="0" smtClean="0"/>
-              <a:t>);</a:t>
-            </a:r>
-          </a:p>
-          <a:p>
-            <a:pPr fontAlgn="base"/>
-            <a:r>
-              <a:rPr lang="ru-RU" dirty="0" smtClean="0"/>
-              <a:t>Отдельная функция:</a:t>
-            </a:r>
-          </a:p>
-          <a:p>
-            <a:pPr lvl="1" fontAlgn="base"/>
-            <a:r>
-              <a:rPr lang="en-US" dirty="0" smtClean="0"/>
-              <a:t>{</a:t>
-            </a:r>
-            <a:r>
-              <a:rPr lang="ru-RU" dirty="0" smtClean="0"/>
-              <a:t>Тип возвращаемого значения</a:t>
-            </a:r>
-            <a:r>
-              <a:rPr lang="en-US" dirty="0" smtClean="0"/>
-              <a:t>} operator {</a:t>
-            </a:r>
-            <a:r>
-              <a:rPr lang="ru-RU" dirty="0" smtClean="0"/>
-              <a:t>знак операции</a:t>
-            </a:r>
-            <a:r>
-              <a:rPr lang="en-US" dirty="0" smtClean="0"/>
-              <a:t>}</a:t>
-            </a:r>
-            <a:r>
-              <a:rPr lang="ru-RU" dirty="0" smtClean="0"/>
-              <a:t> (</a:t>
-            </a:r>
-            <a:r>
-              <a:rPr lang="en-US" dirty="0" smtClean="0"/>
-              <a:t>{</a:t>
-            </a:r>
-            <a:r>
-              <a:rPr lang="ru-RU" dirty="0" smtClean="0"/>
-              <a:t>Тип параметра</a:t>
-            </a:r>
-            <a:r>
-              <a:rPr lang="en-US" dirty="0" smtClean="0"/>
-              <a:t>} {</a:t>
-            </a:r>
-            <a:r>
-              <a:rPr lang="ru-RU" dirty="0" smtClean="0"/>
-              <a:t>имя параметра</a:t>
-            </a:r>
-            <a:r>
-              <a:rPr lang="en-US" dirty="0" smtClean="0"/>
-              <a:t> 1}, {</a:t>
-            </a:r>
-            <a:r>
-              <a:rPr lang="ru-RU" dirty="0" smtClean="0"/>
-              <a:t>Тип параметра</a:t>
-            </a:r>
-            <a:r>
-              <a:rPr lang="en-US" dirty="0" smtClean="0"/>
-              <a:t>} {</a:t>
-            </a:r>
-            <a:r>
-              <a:rPr lang="ru-RU" dirty="0" smtClean="0"/>
-              <a:t>имя параметра</a:t>
-            </a:r>
-            <a:r>
-              <a:rPr lang="en-US" dirty="0" smtClean="0"/>
-              <a:t> 2}</a:t>
-            </a:r>
-            <a:r>
-              <a:rPr lang="ru-RU" dirty="0" smtClean="0"/>
-              <a:t>);</a:t>
-            </a:r>
-          </a:p>
-          <a:p>
-            <a:pPr fontAlgn="base"/>
-            <a:endParaRPr lang="ru-RU" dirty="0" smtClean="0"/>
-          </a:p>
-          <a:p>
-            <a:pPr fontAlgn="base"/>
-            <a:endParaRPr lang="en-US" dirty="0" smtClean="0"/>
-          </a:p>
-        </p:txBody>
-      </p:sp>
-    </p:spTree>
-  </p:cSld>
-  <p:clrMapOvr>
-    <a:masterClrMapping/>
-  </p:clrMapOvr>
-</p:sld>
-</file>
-
-<file path=ppt/slides/slide9.xml><?xml version="1.0" encoding="utf-8"?>
-<p:sld xmlns:a="http://schemas.openxmlformats.org/drawingml/2006/main" xmlns:r="http://schemas.openxmlformats.org/officeDocument/2006/relationships" xmlns:p="http://schemas.openxmlformats.org/presentationml/2006/main">
-  <p:cSld>
-    <p:spTree>
-      <p:nvGrpSpPr>
-        <p:cNvPr id="1" name=""/>
-        <p:cNvGrpSpPr/>
-        <p:nvPr/>
-      </p:nvGrpSpPr>
-      <p:grpSpPr>
-        <a:xfrm>
-          <a:off x="0" y="0"/>
-          <a:ext cx="0" cy="0"/>
-          <a:chOff x="0" y="0"/>
-          <a:chExt cx="0" cy="0"/>
-        </a:xfrm>
-      </p:grpSpPr>
-      <p:sp>
-        <p:nvSpPr>
-          <p:cNvPr id="2" name="Заголовок 1"/>
-          <p:cNvSpPr>
-            <a:spLocks noGrp="1"/>
-          </p:cNvSpPr>
-          <p:nvPr>
-            <p:ph type="title"/>
-          </p:nvPr>
-        </p:nvSpPr>
-        <p:spPr/>
-        <p:txBody>
-          <a:bodyPr/>
-          <a:lstStyle/>
-          <a:p>
-            <a:r>
-              <a:rPr lang="ru-RU" dirty="0" smtClean="0"/>
-              <a:t>Перегрузка операций</a:t>
-            </a:r>
-            <a:endParaRPr lang="ru-RU" dirty="0"/>
-          </a:p>
-        </p:txBody>
-      </p:sp>
-      <p:sp>
-        <p:nvSpPr>
-          <p:cNvPr id="3" name="Содержимое 2"/>
-          <p:cNvSpPr>
-            <a:spLocks noGrp="1"/>
-          </p:cNvSpPr>
-          <p:nvPr>
-            <p:ph idx="1"/>
-          </p:nvPr>
-        </p:nvSpPr>
-        <p:spPr/>
-        <p:txBody>
-          <a:bodyPr>
-            <a:normAutofit fontScale="85000" lnSpcReduction="20000"/>
-          </a:bodyPr>
-          <a:lstStyle/>
-          <a:p>
-            <a:pPr fontAlgn="base"/>
-            <a:r>
-              <a:rPr lang="ru-RU" dirty="0" smtClean="0"/>
-              <a:t>Унарные операции:</a:t>
-            </a:r>
-            <a:endParaRPr lang="en-US" dirty="0" smtClean="0"/>
-          </a:p>
-          <a:p>
-            <a:pPr fontAlgn="base"/>
-            <a:r>
-              <a:rPr lang="ru-RU" dirty="0" smtClean="0"/>
-              <a:t>В классе:</a:t>
-            </a:r>
-          </a:p>
-          <a:p>
-            <a:pPr lvl="1" fontAlgn="base"/>
-            <a:r>
-              <a:rPr lang="en-US" dirty="0" smtClean="0"/>
-              <a:t>{</a:t>
-            </a:r>
-            <a:r>
-              <a:rPr lang="ru-RU" dirty="0" smtClean="0"/>
-              <a:t>Тип возвращаемого значения</a:t>
-            </a:r>
-            <a:r>
-              <a:rPr lang="en-US" dirty="0" smtClean="0"/>
-              <a:t>} operator {</a:t>
-            </a:r>
-            <a:r>
-              <a:rPr lang="ru-RU" dirty="0" smtClean="0"/>
-              <a:t>знак операции</a:t>
-            </a:r>
-            <a:r>
-              <a:rPr lang="en-US" dirty="0" smtClean="0"/>
-              <a:t>}</a:t>
-            </a:r>
-            <a:r>
-              <a:rPr lang="ru-RU" dirty="0" smtClean="0"/>
-              <a:t> (); // префиксная форма</a:t>
-            </a:r>
-          </a:p>
-          <a:p>
-            <a:pPr lvl="1" fontAlgn="base"/>
-            <a:r>
-              <a:rPr lang="en-US" dirty="0" smtClean="0"/>
-              <a:t>{</a:t>
-            </a:r>
-            <a:r>
-              <a:rPr lang="ru-RU" dirty="0" smtClean="0"/>
-              <a:t>Тип возвращаемого значения</a:t>
-            </a:r>
-            <a:r>
-              <a:rPr lang="en-US" dirty="0" smtClean="0"/>
-              <a:t>} operator {</a:t>
-            </a:r>
-            <a:r>
-              <a:rPr lang="ru-RU" dirty="0" smtClean="0"/>
-              <a:t>знак операции</a:t>
-            </a:r>
-            <a:r>
-              <a:rPr lang="en-US" dirty="0" smtClean="0"/>
-              <a:t>}</a:t>
-            </a:r>
-            <a:r>
-              <a:rPr lang="ru-RU" dirty="0" smtClean="0"/>
-              <a:t> (</a:t>
-            </a:r>
-            <a:r>
-              <a:rPr lang="en-US" dirty="0" err="1" smtClean="0"/>
-              <a:t>int</a:t>
-            </a:r>
-            <a:r>
-              <a:rPr lang="ru-RU" dirty="0" smtClean="0"/>
-              <a:t>); // постфиксная форма</a:t>
-            </a:r>
-            <a:endParaRPr lang="en-US" dirty="0" smtClean="0"/>
-          </a:p>
-          <a:p>
-            <a:pPr fontAlgn="base"/>
-            <a:r>
-              <a:rPr lang="ru-RU" dirty="0" smtClean="0"/>
-              <a:t>Отдельная функция:</a:t>
-            </a:r>
-            <a:endParaRPr lang="en-US" dirty="0" smtClean="0"/>
-          </a:p>
-          <a:p>
-            <a:pPr lvl="1" fontAlgn="base"/>
-            <a:r>
-              <a:rPr lang="en-US" dirty="0" smtClean="0"/>
-              <a:t>{</a:t>
-            </a:r>
-            <a:r>
-              <a:rPr lang="ru-RU" dirty="0" smtClean="0"/>
-              <a:t>Тип возвращаемого значения</a:t>
-            </a:r>
-            <a:r>
-              <a:rPr lang="en-US" dirty="0" smtClean="0"/>
-              <a:t>} operator {</a:t>
-            </a:r>
-            <a:r>
-              <a:rPr lang="ru-RU" dirty="0" smtClean="0"/>
-              <a:t>знак операции</a:t>
-            </a:r>
-            <a:r>
-              <a:rPr lang="en-US" dirty="0" smtClean="0"/>
-              <a:t>}</a:t>
-            </a:r>
-            <a:r>
-              <a:rPr lang="ru-RU" dirty="0" smtClean="0"/>
-              <a:t> (</a:t>
-            </a:r>
-            <a:r>
-              <a:rPr lang="en-US" dirty="0" smtClean="0"/>
-              <a:t>{</a:t>
-            </a:r>
-            <a:r>
-              <a:rPr lang="ru-RU" dirty="0" smtClean="0"/>
-              <a:t>Тип параметра</a:t>
-            </a:r>
-            <a:r>
-              <a:rPr lang="en-US" dirty="0" smtClean="0"/>
-              <a:t>} {</a:t>
-            </a:r>
-            <a:r>
-              <a:rPr lang="ru-RU" dirty="0" smtClean="0"/>
-              <a:t>имя параметра</a:t>
-            </a:r>
-            <a:r>
-              <a:rPr lang="en-US" dirty="0" smtClean="0"/>
-              <a:t>}</a:t>
-            </a:r>
-            <a:r>
-              <a:rPr lang="ru-RU" dirty="0" smtClean="0"/>
-              <a:t>); // префиксная форма</a:t>
-            </a:r>
-          </a:p>
-          <a:p>
-            <a:pPr lvl="1" fontAlgn="base"/>
-            <a:r>
-              <a:rPr lang="en-US" dirty="0" smtClean="0"/>
-              <a:t>{</a:t>
-            </a:r>
-            <a:r>
-              <a:rPr lang="ru-RU" dirty="0" smtClean="0"/>
-              <a:t>Тип возвращаемого значения</a:t>
-            </a:r>
-            <a:r>
-              <a:rPr lang="en-US" dirty="0" smtClean="0"/>
-              <a:t>} operator {</a:t>
-            </a:r>
-            <a:r>
-              <a:rPr lang="ru-RU" dirty="0" smtClean="0"/>
-              <a:t>знак операции</a:t>
-            </a:r>
-            <a:r>
-              <a:rPr lang="en-US" dirty="0" smtClean="0"/>
-              <a:t>}</a:t>
-            </a:r>
-            <a:r>
-              <a:rPr lang="ru-RU" dirty="0" smtClean="0"/>
-              <a:t> (</a:t>
-            </a:r>
-            <a:r>
-              <a:rPr lang="en-US" dirty="0" smtClean="0"/>
-              <a:t>{</a:t>
-            </a:r>
-            <a:r>
-              <a:rPr lang="ru-RU" dirty="0" smtClean="0"/>
-              <a:t>Тип параметра</a:t>
-            </a:r>
-            <a:r>
-              <a:rPr lang="en-US" dirty="0" smtClean="0"/>
-              <a:t>} {</a:t>
-            </a:r>
-            <a:r>
-              <a:rPr lang="ru-RU" dirty="0" smtClean="0"/>
-              <a:t>имя параметра</a:t>
-            </a:r>
-            <a:r>
-              <a:rPr lang="en-US" dirty="0" smtClean="0"/>
-              <a:t>} , </a:t>
-            </a:r>
-            <a:r>
-              <a:rPr lang="en-US" dirty="0" err="1" smtClean="0"/>
-              <a:t>int</a:t>
-            </a:r>
-            <a:r>
-              <a:rPr lang="ru-RU" dirty="0" smtClean="0"/>
-              <a:t>); // постфиксная форма</a:t>
-            </a:r>
-            <a:endParaRPr lang="en-US" dirty="0" smtClean="0"/>
-          </a:p>
-          <a:p>
-            <a:pPr fontAlgn="base"/>
-            <a:endParaRPr lang="ru-RU" dirty="0" smtClean="0"/>
-          </a:p>
-          <a:p>
-            <a:pPr lvl="1" fontAlgn="base"/>
-            <a:endParaRPr lang="ru-RU" dirty="0" smtClean="0"/>
-          </a:p>
-          <a:p>
-            <a:pPr fontAlgn="base"/>
-            <a:endParaRPr lang="ru-RU" dirty="0" smtClean="0"/>
-          </a:p>
-          <a:p>
-            <a:pPr fontAlgn="base"/>
-            <a:endParaRPr lang="en-US" dirty="0" smtClean="0"/>
-          </a:p>
-        </p:txBody>
-      </p:sp>
-    </p:spTree>
-  </p:cSld>
-  <p:clrMapOvr>
-    <a:masterClrMapping/>
-  </p:clrMapOvr>
-</p:sld>
-</file>
-
 <file path=ppt/theme/theme1.xml><?xml version="1.0" encoding="utf-8"?>
 <a:theme xmlns:a="http://schemas.openxmlformats.org/drawingml/2006/main" name="Тема Office">
   <a:themeElements>
@@ -5352,4 +7001,287 @@
   <a:objectDefaults/>
   <a:extraClrSchemeLst/>
 </a:theme>
+</file>
+
+<file path=ppt/theme/theme2.xml><?xml version="1.0" encoding="utf-8"?>
+<a:theme xmlns:a="http://schemas.openxmlformats.org/drawingml/2006/main" name="Тема Office">
+  <a:themeElements>
+    <a:clrScheme name="Стандартная">
+      <a:dk1>
+        <a:sysClr val="windowText" lastClr="000000"/>
+      </a:dk1>
+      <a:lt1>
+        <a:sysClr val="window" lastClr="FFFFFF"/>
+      </a:lt1>
+      <a:dk2>
+        <a:srgbClr val="1F497D"/>
+      </a:dk2>
+      <a:lt2>
+        <a:srgbClr val="EEECE1"/>
+      </a:lt2>
+      <a:accent1>
+        <a:srgbClr val="4F81BD"/>
+      </a:accent1>
+      <a:accent2>
+        <a:srgbClr val="C0504D"/>
+      </a:accent2>
+      <a:accent3>
+        <a:srgbClr val="9BBB59"/>
+      </a:accent3>
+      <a:accent4>
+        <a:srgbClr val="8064A2"/>
+      </a:accent4>
+      <a:accent5>
+        <a:srgbClr val="4BACC6"/>
+      </a:accent5>
+      <a:accent6>
+        <a:srgbClr val="F79646"/>
+      </a:accent6>
+      <a:hlink>
+        <a:srgbClr val="0000FF"/>
+      </a:hlink>
+      <a:folHlink>
+        <a:srgbClr val="800080"/>
+      </a:folHlink>
+    </a:clrScheme>
+    <a:fontScheme name="Стандартная">
+      <a:majorFont>
+        <a:latin typeface="Calibri"/>
+        <a:ea typeface=""/>
+        <a:cs typeface=""/>
+        <a:font script="Jpan" typeface="ＭＳ Ｐゴシック"/>
+        <a:font script="Hang" typeface="맑은 고딕"/>
+        <a:font script="Hans" typeface="宋体"/>
+        <a:font script="Hant" typeface="新細明體"/>
+        <a:font script="Arab" typeface="Times New Roman"/>
+        <a:font script="Hebr" typeface="Times New Roman"/>
+        <a:font script="Thai" typeface="Angsana New"/>
+        <a:font script="Ethi" typeface="Nyala"/>
+        <a:font script="Beng" typeface="Vrinda"/>
+        <a:font script="Gujr" typeface="Shruti"/>
+        <a:font script="Khmr" typeface="MoolBoran"/>
+        <a:font script="Knda" typeface="Tunga"/>
+        <a:font script="Guru" typeface="Raavi"/>
+        <a:font script="Cans" typeface="Euphemia"/>
+        <a:font script="Cher" typeface="Plantagenet Cherokee"/>
+        <a:font script="Yiii" typeface="Microsoft Yi Baiti"/>
+        <a:font script="Tibt" typeface="Microsoft Himalaya"/>
+        <a:font script="Thaa" typeface="MV Boli"/>
+        <a:font script="Deva" typeface="Mangal"/>
+        <a:font script="Telu" typeface="Gautami"/>
+        <a:font script="Taml" typeface="Latha"/>
+        <a:font script="Syrc" typeface="Estrangelo Edessa"/>
+        <a:font script="Orya" typeface="Kalinga"/>
+        <a:font script="Mlym" typeface="Kartika"/>
+        <a:font script="Laoo" typeface="DokChampa"/>
+        <a:font script="Sinh" typeface="Iskoola Pota"/>
+        <a:font script="Mong" typeface="Mongolian Baiti"/>
+        <a:font script="Viet" typeface="Times New Roman"/>
+        <a:font script="Uigh" typeface="Microsoft Uighur"/>
+      </a:majorFont>
+      <a:minorFont>
+        <a:latin typeface="Calibri"/>
+        <a:ea typeface=""/>
+        <a:cs typeface=""/>
+        <a:font script="Jpan" typeface="ＭＳ Ｐゴシック"/>
+        <a:font script="Hang" typeface="맑은 고딕"/>
+        <a:font script="Hans" typeface="宋体"/>
+        <a:font script="Hant" typeface="新細明體"/>
+        <a:font script="Arab" typeface="Arial"/>
+        <a:font script="Hebr" typeface="Arial"/>
+        <a:font script="Thai" typeface="Cordia New"/>
+        <a:font script="Ethi" typeface="Nyala"/>
+        <a:font script="Beng" typeface="Vrinda"/>
+        <a:font script="Gujr" typeface="Shruti"/>
+        <a:font script="Khmr" typeface="DaunPenh"/>
+        <a:font script="Knda" typeface="Tunga"/>
+        <a:font script="Guru" typeface="Raavi"/>
+        <a:font script="Cans" typeface="Euphemia"/>
+        <a:font script="Cher" typeface="Plantagenet Cherokee"/>
+        <a:font script="Yiii" typeface="Microsoft Yi Baiti"/>
+        <a:font script="Tibt" typeface="Microsoft Himalaya"/>
+        <a:font script="Thaa" typeface="MV Boli"/>
+        <a:font script="Deva" typeface="Mangal"/>
+        <a:font script="Telu" typeface="Gautami"/>
+        <a:font script="Taml" typeface="Latha"/>
+        <a:font script="Syrc" typeface="Estrangelo Edessa"/>
+        <a:font script="Orya" typeface="Kalinga"/>
+        <a:font script="Mlym" typeface="Kartika"/>
+        <a:font script="Laoo" typeface="DokChampa"/>
+        <a:font script="Sinh" typeface="Iskoola Pota"/>
+        <a:font script="Mong" typeface="Mongolian Baiti"/>
+        <a:font script="Viet" typeface="Arial"/>
+        <a:font script="Uigh" typeface="Microsoft Uighur"/>
+      </a:minorFont>
+    </a:fontScheme>
+    <a:fmtScheme name="Стандартная">
+      <a:fillStyleLst>
+        <a:solidFill>
+          <a:schemeClr val="phClr"/>
+        </a:solidFill>
+        <a:gradFill rotWithShape="1">
+          <a:gsLst>
+            <a:gs pos="0">
+              <a:schemeClr val="phClr">
+                <a:tint val="50000"/>
+                <a:satMod val="300000"/>
+              </a:schemeClr>
+            </a:gs>
+            <a:gs pos="35000">
+              <a:schemeClr val="phClr">
+                <a:tint val="37000"/>
+                <a:satMod val="300000"/>
+              </a:schemeClr>
+            </a:gs>
+            <a:gs pos="100000">
+              <a:schemeClr val="phClr">
+                <a:tint val="15000"/>
+                <a:satMod val="350000"/>
+              </a:schemeClr>
+            </a:gs>
+          </a:gsLst>
+          <a:lin ang="16200000" scaled="1"/>
+        </a:gradFill>
+        <a:gradFill rotWithShape="1">
+          <a:gsLst>
+            <a:gs pos="0">
+              <a:schemeClr val="phClr">
+                <a:shade val="51000"/>
+                <a:satMod val="130000"/>
+              </a:schemeClr>
+            </a:gs>
+            <a:gs pos="80000">
+              <a:schemeClr val="phClr">
+                <a:shade val="93000"/>
+                <a:satMod val="130000"/>
+              </a:schemeClr>
+            </a:gs>
+            <a:gs pos="100000">
+              <a:schemeClr val="phClr">
+                <a:shade val="94000"/>
+                <a:satMod val="135000"/>
+              </a:schemeClr>
+            </a:gs>
+          </a:gsLst>
+          <a:lin ang="16200000" scaled="0"/>
+        </a:gradFill>
+      </a:fillStyleLst>
+      <a:lnStyleLst>
+        <a:ln w="9525" cap="flat" cmpd="sng" algn="ctr">
+          <a:solidFill>
+            <a:schemeClr val="phClr">
+              <a:shade val="95000"/>
+              <a:satMod val="105000"/>
+            </a:schemeClr>
+          </a:solidFill>
+          <a:prstDash val="solid"/>
+        </a:ln>
+        <a:ln w="25400" cap="flat" cmpd="sng" algn="ctr">
+          <a:solidFill>
+            <a:schemeClr val="phClr"/>
+          </a:solidFill>
+          <a:prstDash val="solid"/>
+        </a:ln>
+        <a:ln w="38100" cap="flat" cmpd="sng" algn="ctr">
+          <a:solidFill>
+            <a:schemeClr val="phClr"/>
+          </a:solidFill>
+          <a:prstDash val="solid"/>
+        </a:ln>
+      </a:lnStyleLst>
+      <a:effectStyleLst>
+        <a:effectStyle>
+          <a:effectLst>
+            <a:outerShdw blurRad="40000" dist="20000" dir="5400000" rotWithShape="0">
+              <a:srgbClr val="000000">
+                <a:alpha val="38000"/>
+              </a:srgbClr>
+            </a:outerShdw>
+          </a:effectLst>
+        </a:effectStyle>
+        <a:effectStyle>
+          <a:effectLst>
+            <a:outerShdw blurRad="40000" dist="23000" dir="5400000" rotWithShape="0">
+              <a:srgbClr val="000000">
+                <a:alpha val="35000"/>
+              </a:srgbClr>
+            </a:outerShdw>
+          </a:effectLst>
+        </a:effectStyle>
+        <a:effectStyle>
+          <a:effectLst>
+            <a:outerShdw blurRad="40000" dist="23000" dir="5400000" rotWithShape="0">
+              <a:srgbClr val="000000">
+                <a:alpha val="35000"/>
+              </a:srgbClr>
+            </a:outerShdw>
+          </a:effectLst>
+          <a:scene3d>
+            <a:camera prst="orthographicFront">
+              <a:rot lat="0" lon="0" rev="0"/>
+            </a:camera>
+            <a:lightRig rig="threePt" dir="t">
+              <a:rot lat="0" lon="0" rev="1200000"/>
+            </a:lightRig>
+          </a:scene3d>
+          <a:sp3d>
+            <a:bevelT w="63500" h="25400"/>
+          </a:sp3d>
+        </a:effectStyle>
+      </a:effectStyleLst>
+      <a:bgFillStyleLst>
+        <a:solidFill>
+          <a:schemeClr val="phClr"/>
+        </a:solidFill>
+        <a:gradFill rotWithShape="1">
+          <a:gsLst>
+            <a:gs pos="0">
+              <a:schemeClr val="phClr">
+                <a:tint val="40000"/>
+                <a:satMod val="350000"/>
+              </a:schemeClr>
+            </a:gs>
+            <a:gs pos="40000">
+              <a:schemeClr val="phClr">
+                <a:tint val="45000"/>
+                <a:shade val="99000"/>
+                <a:satMod val="350000"/>
+              </a:schemeClr>
+            </a:gs>
+            <a:gs pos="100000">
+              <a:schemeClr val="phClr">
+                <a:shade val="20000"/>
+                <a:satMod val="255000"/>
+              </a:schemeClr>
+            </a:gs>
+          </a:gsLst>
+          <a:path path="circle">
+            <a:fillToRect l="50000" t="-80000" r="50000" b="180000"/>
+          </a:path>
+        </a:gradFill>
+        <a:gradFill rotWithShape="1">
+          <a:gsLst>
+            <a:gs pos="0">
+              <a:schemeClr val="phClr">
+                <a:tint val="80000"/>
+                <a:satMod val="300000"/>
+              </a:schemeClr>
+            </a:gs>
+            <a:gs pos="100000">
+              <a:schemeClr val="phClr">
+                <a:shade val="30000"/>
+                <a:satMod val="200000"/>
+              </a:schemeClr>
+            </a:gs>
+          </a:gsLst>
+          <a:path path="circle">
+            <a:fillToRect l="50000" t="50000" r="50000" b="50000"/>
+          </a:path>
+        </a:gradFill>
+      </a:bgFillStyleLst>
+    </a:fmtScheme>
+  </a:themeElements>
+  <a:objectDefaults/>
+  <a:extraClrSchemeLst/>
+</a:theme>
 </file>